--- a/doc/Template Apresentação.pptx
+++ b/doc/Template Apresentação.pptx
@@ -5,21 +5,36 @@
     <p:sldMasterId id="2147483648" r:id="rId2"/>
   </p:sldMasterIdLst>
   <p:notesMasterIdLst>
-    <p:notesMasterId r:id="rId12"/>
+    <p:notesMasterId r:id="rId27"/>
   </p:notesMasterIdLst>
   <p:handoutMasterIdLst>
-    <p:handoutMasterId r:id="rId13"/>
+    <p:handoutMasterId r:id="rId28"/>
   </p:handoutMasterIdLst>
   <p:sldIdLst>
     <p:sldId id="256" r:id="rId3"/>
-    <p:sldId id="343" r:id="rId4"/>
-    <p:sldId id="301" r:id="rId5"/>
-    <p:sldId id="372" r:id="rId6"/>
-    <p:sldId id="324" r:id="rId7"/>
-    <p:sldId id="328" r:id="rId8"/>
-    <p:sldId id="311" r:id="rId9"/>
-    <p:sldId id="368" r:id="rId10"/>
-    <p:sldId id="293" r:id="rId11"/>
+    <p:sldId id="373" r:id="rId4"/>
+    <p:sldId id="343" r:id="rId5"/>
+    <p:sldId id="301" r:id="rId6"/>
+    <p:sldId id="372" r:id="rId7"/>
+    <p:sldId id="374" r:id="rId8"/>
+    <p:sldId id="375" r:id="rId9"/>
+    <p:sldId id="376" r:id="rId10"/>
+    <p:sldId id="387" r:id="rId11"/>
+    <p:sldId id="377" r:id="rId12"/>
+    <p:sldId id="378" r:id="rId13"/>
+    <p:sldId id="379" r:id="rId14"/>
+    <p:sldId id="380" r:id="rId15"/>
+    <p:sldId id="381" r:id="rId16"/>
+    <p:sldId id="382" r:id="rId17"/>
+    <p:sldId id="383" r:id="rId18"/>
+    <p:sldId id="384" r:id="rId19"/>
+    <p:sldId id="385" r:id="rId20"/>
+    <p:sldId id="386" r:id="rId21"/>
+    <p:sldId id="324" r:id="rId22"/>
+    <p:sldId id="328" r:id="rId23"/>
+    <p:sldId id="311" r:id="rId24"/>
+    <p:sldId id="368" r:id="rId25"/>
+    <p:sldId id="293" r:id="rId26"/>
   </p:sldIdLst>
   <p:sldSz cx="9906000" cy="6858000" type="A4"/>
   <p:notesSz cx="6858000" cy="9144000"/>
@@ -204,7 +219,7 @@
             <a:fld id="{ADFD96CD-F9A7-4B23-9F0C-9C94434A7F7D}" type="datetimeFigureOut">
               <a:rPr lang="pt-PT" smtClean="0"/>
               <a:pPr/>
-              <a:t>07/11/2013</a:t>
+              <a:t>09/11/2013</a:t>
             </a:fld>
             <a:endParaRPr lang="pt-PT"/>
           </a:p>
@@ -280,7 +295,7 @@
     </p:spTree>
     <p:extLst>
       <p:ext uri="{BB962C8B-B14F-4D97-AF65-F5344CB8AC3E}">
-        <p14:creationId xmlns:p14="http://schemas.microsoft.com/office/powerpoint/2007/7/12/main" xmlns="" val="2941623272"/>
+        <p14:creationId xmlns="" xmlns:p14="http://schemas.microsoft.com/office/powerpoint/2007/7/12/main" val="2941623272"/>
       </p:ext>
     </p:extLst>
   </p:cSld>
@@ -371,7 +386,7 @@
             <a:fld id="{F1680C6F-1AC0-45E8-AE4C-9DD1ADA0D880}" type="datetimeFigureOut">
               <a:rPr lang="pt-PT" smtClean="0"/>
               <a:pPr/>
-              <a:t>07/11/2013</a:t>
+              <a:t>09/11/2013</a:t>
             </a:fld>
             <a:endParaRPr lang="pt-PT"/>
           </a:p>
@@ -540,7 +555,7 @@
     </p:spTree>
     <p:extLst>
       <p:ext uri="{BB962C8B-B14F-4D97-AF65-F5344CB8AC3E}">
-        <p14:creationId xmlns:p14="http://schemas.microsoft.com/office/powerpoint/2007/7/12/main" xmlns="" val="2042030475"/>
+        <p14:creationId xmlns="" xmlns:p14="http://schemas.microsoft.com/office/powerpoint/2007/7/12/main" val="2042030475"/>
       </p:ext>
     </p:extLst>
   </p:cSld>
@@ -732,7 +747,7 @@
             <a:fld id="{81331B57-0BE5-4F82-AA58-76F53EFF3ADA}" type="datetime8">
               <a:rPr lang="en-US" smtClean="0"/>
               <a:pPr/>
-              <a:t>11/7/2013 7:39 PM</a:t>
+              <a:t>11/9/2013 2:35 PM</a:t>
             </a:fld>
             <a:endParaRPr lang="en-US"/>
           </a:p>
@@ -816,7 +831,7 @@
             <a:fld id="{EC87E0CF-87F6-4B58-B8B8-DCAB2DAAF3CA}" type="slidenum">
               <a:rPr lang="en-US" smtClean="0"/>
               <a:pPr/>
-              <a:t>5</a:t>
+              <a:t>9</a:t>
             </a:fld>
             <a:endParaRPr lang="en-US" dirty="0"/>
           </a:p>
@@ -857,7 +872,12 @@
             <p:ph type="sldImg"/>
           </p:nvPr>
         </p:nvSpPr>
-        <p:spPr/>
+        <p:spPr>
+          <a:xfrm>
+            <a:off x="952500" y="685800"/>
+            <a:ext cx="4953000" cy="3429000"/>
+          </a:xfrm>
+        </p:spPr>
       </p:sp>
       <p:sp>
         <p:nvSpPr>
@@ -871,6 +891,191 @@
         </p:nvSpPr>
         <p:spPr/>
         <p:txBody>
+          <a:bodyPr>
+            <a:normAutofit/>
+          </a:bodyPr>
+          <a:lstStyle/>
+          <a:p>
+            <a:endParaRPr lang="en-US" dirty="0"/>
+          </a:p>
+        </p:txBody>
+      </p:sp>
+      <p:sp>
+        <p:nvSpPr>
+          <p:cNvPr id="4" name="Header Placeholder 3"/>
+          <p:cNvSpPr>
+            <a:spLocks noGrp="1"/>
+          </p:cNvSpPr>
+          <p:nvPr>
+            <p:ph type="hdr" sz="quarter" idx="10"/>
+          </p:nvPr>
+        </p:nvSpPr>
+        <p:spPr/>
+        <p:txBody>
+          <a:bodyPr/>
+          <a:lstStyle/>
+          <a:p>
+            <a:endParaRPr lang="en-US" dirty="0"/>
+          </a:p>
+        </p:txBody>
+      </p:sp>
+      <p:sp>
+        <p:nvSpPr>
+          <p:cNvPr id="5" name="Date Placeholder 4"/>
+          <p:cNvSpPr>
+            <a:spLocks noGrp="1"/>
+          </p:cNvSpPr>
+          <p:nvPr>
+            <p:ph type="dt" idx="11"/>
+          </p:nvPr>
+        </p:nvSpPr>
+        <p:spPr/>
+        <p:txBody>
+          <a:bodyPr/>
+          <a:lstStyle/>
+          <a:p>
+            <a:fld id="{81331B57-0BE5-4F82-AA58-76F53EFF3ADA}" type="datetime8">
+              <a:rPr lang="en-US" smtClean="0"/>
+              <a:pPr/>
+              <a:t>11/9/2013 2:06 PM</a:t>
+            </a:fld>
+            <a:endParaRPr lang="en-US"/>
+          </a:p>
+        </p:txBody>
+      </p:sp>
+      <p:sp>
+        <p:nvSpPr>
+          <p:cNvPr id="6" name="Footer Placeholder 5"/>
+          <p:cNvSpPr>
+            <a:spLocks noGrp="1"/>
+          </p:cNvSpPr>
+          <p:nvPr>
+            <p:ph type="ftr" sz="quarter" idx="12"/>
+          </p:nvPr>
+        </p:nvSpPr>
+        <p:spPr/>
+        <p:txBody>
+          <a:bodyPr/>
+          <a:lstStyle/>
+          <a:p>
+            <a:r>
+              <a:rPr lang="en-US" dirty="0" smtClean="0">
+                <a:solidFill>
+                  <a:srgbClr val="000000"/>
+                </a:solidFill>
+                <a:latin typeface="Calibri" pitchFamily="34" charset="0"/>
+              </a:rPr>
+              <a:t>© 2008 Microsoft Corporation. All rights reserved. Microsoft, Windows, Windows Vista and other product names are or may be registered trademarks and/or trademarks in the U.S. and/or other countries.</a:t>
+            </a:r>
+          </a:p>
+          <a:p>
+            <a:r>
+              <a:rPr lang="en-US" dirty="0" smtClean="0">
+                <a:solidFill>
+                  <a:srgbClr val="000000"/>
+                </a:solidFill>
+                <a:latin typeface="Calibri" pitchFamily="34" charset="0"/>
+              </a:rPr>
+              <a:t>The information herein is for informational purposes only and represents the current view of Microsoft Corporation as of the date of this presentation.  Because Microsoft must respond to changing market conditions, it should not be interpreted to be a commitment on the part of Microsoft, and Microsoft cannot guarantee the accuracy of any information provided after the date of this presentation.  </a:t>
+            </a:r>
+            <a:br>
+              <a:rPr lang="en-US" dirty="0" smtClean="0">
+                <a:solidFill>
+                  <a:srgbClr val="000000"/>
+                </a:solidFill>
+                <a:latin typeface="Calibri" pitchFamily="34" charset="0"/>
+              </a:rPr>
+            </a:br>
+            <a:r>
+              <a:rPr lang="en-US" dirty="0" smtClean="0">
+                <a:solidFill>
+                  <a:srgbClr val="000000"/>
+                </a:solidFill>
+                <a:latin typeface="Calibri" pitchFamily="34" charset="0"/>
+              </a:rPr>
+              <a:t>MICROSOFT MAKES NO WARRANTIES, EXPRESS, IMPLIED OR STATUTORY, AS TO THE INFORMATION IN THIS PRESENTATION.</a:t>
+            </a:r>
+          </a:p>
+          <a:p>
+            <a:endParaRPr lang="en-US" dirty="0">
+              <a:latin typeface="Calibri" pitchFamily="34" charset="0"/>
+            </a:endParaRPr>
+          </a:p>
+        </p:txBody>
+      </p:sp>
+      <p:sp>
+        <p:nvSpPr>
+          <p:cNvPr id="7" name="Slide Number Placeholder 6"/>
+          <p:cNvSpPr>
+            <a:spLocks noGrp="1"/>
+          </p:cNvSpPr>
+          <p:nvPr>
+            <p:ph type="sldNum" sz="quarter" idx="13"/>
+          </p:nvPr>
+        </p:nvSpPr>
+        <p:spPr/>
+        <p:txBody>
+          <a:bodyPr/>
+          <a:lstStyle/>
+          <a:p>
+            <a:fld id="{EC87E0CF-87F6-4B58-B8B8-DCAB2DAAF3CA}" type="slidenum">
+              <a:rPr lang="en-US" smtClean="0"/>
+              <a:pPr/>
+              <a:t>20</a:t>
+            </a:fld>
+            <a:endParaRPr lang="en-US" dirty="0"/>
+          </a:p>
+        </p:txBody>
+      </p:sp>
+    </p:spTree>
+  </p:cSld>
+  <p:clrMapOvr>
+    <a:masterClrMapping/>
+  </p:clrMapOvr>
+</p:notes>
+</file>
+
+<file path=ppt/notesSlides/notesSlide3.xml><?xml version="1.0" encoding="utf-8"?>
+<p:notes xmlns:a="http://schemas.openxmlformats.org/drawingml/2006/main" xmlns:r="http://schemas.openxmlformats.org/officeDocument/2006/relationships" xmlns:p="http://schemas.openxmlformats.org/presentationml/2006/main">
+  <p:cSld>
+    <p:spTree>
+      <p:nvGrpSpPr>
+        <p:cNvPr id="1" name=""/>
+        <p:cNvGrpSpPr/>
+        <p:nvPr/>
+      </p:nvGrpSpPr>
+      <p:grpSpPr>
+        <a:xfrm>
+          <a:off x="0" y="0"/>
+          <a:ext cx="0" cy="0"/>
+          <a:chOff x="0" y="0"/>
+          <a:chExt cx="0" cy="0"/>
+        </a:xfrm>
+      </p:grpSpPr>
+      <p:sp>
+        <p:nvSpPr>
+          <p:cNvPr id="2" name="Slide Image Placeholder 1"/>
+          <p:cNvSpPr>
+            <a:spLocks noGrp="1" noRot="1" noChangeAspect="1"/>
+          </p:cNvSpPr>
+          <p:nvPr>
+            <p:ph type="sldImg"/>
+          </p:nvPr>
+        </p:nvSpPr>
+        <p:spPr/>
+      </p:sp>
+      <p:sp>
+        <p:nvSpPr>
+          <p:cNvPr id="3" name="Notes Placeholder 2"/>
+          <p:cNvSpPr>
+            <a:spLocks noGrp="1"/>
+          </p:cNvSpPr>
+          <p:nvPr>
+            <p:ph type="body" idx="1"/>
+          </p:nvPr>
+        </p:nvSpPr>
+        <p:spPr/>
+        <p:txBody>
           <a:bodyPr/>
           <a:lstStyle/>
           <a:p>
@@ -896,7 +1101,7 @@
             <a:fld id="{4A3EE754-1482-4D08-B801-58AD7081021E}" type="slidenum">
               <a:rPr lang="pt-PT" smtClean="0"/>
               <a:pPr/>
-              <a:t>9</a:t>
+              <a:t>24</a:t>
             </a:fld>
             <a:endParaRPr lang="pt-PT"/>
           </a:p>
@@ -905,7 +1110,7 @@
     </p:spTree>
     <p:extLst>
       <p:ext uri="{BB962C8B-B14F-4D97-AF65-F5344CB8AC3E}">
-        <p14:creationId xmlns:p14="http://schemas.microsoft.com/office/powerpoint/2007/7/12/main" xmlns="" val="2875876222"/>
+        <p14:creationId xmlns="" xmlns:p14="http://schemas.microsoft.com/office/powerpoint/2007/7/12/main" val="2875876222"/>
       </p:ext>
     </p:extLst>
   </p:cSld>
@@ -949,7 +1154,7 @@
           <a:blip r:embed="rId2" cstate="print">
             <a:extLst>
               <a:ext uri="28A0092B-C50C-407e-A947-70E740481C1C">
-                <a14:useLocalDpi xmlns:a14="http://schemas.microsoft.com/office/drawing/2007/7/7/main" xmlns="" val="0"/>
+                <a14:useLocalDpi xmlns="" xmlns:a14="http://schemas.microsoft.com/office/drawing/2007/7/7/main" val="0"/>
               </a:ext>
             </a:extLst>
           </a:blip>
@@ -968,14 +1173,14 @@
           </a:prstGeom>
           <a:extLst>
             <a:ext uri="{909E8E84-426E-40dd-AFC4-6F175D3DCCD1}">
-              <a14:hiddenFill xmlns:a14="http://schemas.microsoft.com/office/drawing/2007/7/7/main" xmlns="">
+              <a14:hiddenFill xmlns="" xmlns:a14="http://schemas.microsoft.com/office/drawing/2007/7/7/main">
                 <a:solidFill>
                   <a:schemeClr val="accent1"/>
                 </a:solidFill>
               </a14:hiddenFill>
             </a:ext>
             <a:ext uri="{91240B29-F687-4f45-9708-019B960494DF}">
-              <a14:hiddenLine xmlns:a14="http://schemas.microsoft.com/office/drawing/2007/7/7/main" xmlns="" w="9525">
+              <a14:hiddenLine xmlns="" xmlns:a14="http://schemas.microsoft.com/office/drawing/2007/7/7/main" w="9525">
                 <a:solidFill>
                   <a:schemeClr val="tx1"/>
                 </a:solidFill>
@@ -985,7 +1190,7 @@
               </a14:hiddenLine>
             </a:ext>
             <a:ext uri="{AF507438-7753-43e0-B8FC-AC1667EBCBE1}">
-              <a14:hiddenEffects xmlns:a14="http://schemas.microsoft.com/office/drawing/2007/7/7/main" xmlns="">
+              <a14:hiddenEffects xmlns="" xmlns:a14="http://schemas.microsoft.com/office/drawing/2007/7/7/main">
                 <a:effectLst>
                   <a:outerShdw blurRad="63500" dist="35921" dir="2700000" algn="ctr" rotWithShape="0">
                     <a:schemeClr val="bg2"/>
@@ -1163,7 +1368,7 @@
           <a:blip r:embed="rId4" cstate="print">
             <a:extLst>
               <a:ext uri="28A0092B-C50C-407e-A947-70E740481C1C">
-                <a14:useLocalDpi xmlns:a14="http://schemas.microsoft.com/office/drawing/2007/7/7/main" xmlns="" val="0"/>
+                <a14:useLocalDpi xmlns="" xmlns:a14="http://schemas.microsoft.com/office/drawing/2007/7/7/main" val="0"/>
               </a:ext>
             </a:extLst>
           </a:blip>
@@ -1183,14 +1388,14 @@
           </a:effectLst>
           <a:extLst>
             <a:ext uri="{909E8E84-426E-40dd-AFC4-6F175D3DCCD1}">
-              <a14:hiddenFill xmlns:a14="http://schemas.microsoft.com/office/drawing/2007/7/7/main" xmlns="">
+              <a14:hiddenFill xmlns="" xmlns:a14="http://schemas.microsoft.com/office/drawing/2007/7/7/main">
                 <a:solidFill>
                   <a:srgbClr xmlns:mc="http://schemas.openxmlformats.org/markup-compatibility/2006" val="FFFFFF" mc:Ignorable=""/>
                 </a:solidFill>
               </a14:hiddenFill>
             </a:ext>
             <a:ext uri="{91240B29-F687-4f45-9708-019B960494DF}">
-              <a14:hiddenLine xmlns:a14="http://schemas.microsoft.com/office/drawing/2007/7/7/main" xmlns="" w="9525">
+              <a14:hiddenLine xmlns="" xmlns:a14="http://schemas.microsoft.com/office/drawing/2007/7/7/main" w="9525">
                 <a:solidFill>
                   <a:srgbClr xmlns:mc="http://schemas.openxmlformats.org/markup-compatibility/2006" val="000000" mc:Ignorable=""/>
                 </a:solidFill>
@@ -1200,7 +1405,7 @@
               </a14:hiddenLine>
             </a:ext>
             <a:ext uri="{53640926-AAD7-44d8-BBD7-CCE9431645EC}">
-              <a14:shadowObscured xmlns:a14="http://schemas.microsoft.com/office/drawing/2007/7/7/main" xmlns="" val="1"/>
+              <a14:shadowObscured xmlns="" xmlns:a14="http://schemas.microsoft.com/office/drawing/2007/7/7/main" val="1"/>
             </a:ext>
           </a:extLst>
         </p:spPr>
@@ -1208,7 +1413,7 @@
     </p:spTree>
     <p:extLst>
       <p:ext uri="{BB962C8B-B14F-4D97-AF65-F5344CB8AC3E}">
-        <p14:creationId xmlns:p14="http://schemas.microsoft.com/office/powerpoint/2007/7/12/main" xmlns="" val="2296204029"/>
+        <p14:creationId xmlns="" xmlns:p14="http://schemas.microsoft.com/office/powerpoint/2007/7/12/main" val="2296204029"/>
       </p:ext>
     </p:extLst>
   </p:cSld>
@@ -1403,7 +1608,7 @@
     </p:spTree>
     <p:extLst>
       <p:ext uri="{BB962C8B-B14F-4D97-AF65-F5344CB8AC3E}">
-        <p14:creationId xmlns:p14="http://schemas.microsoft.com/office/powerpoint/2007/7/12/main" xmlns="" val="1558211039"/>
+        <p14:creationId xmlns="" xmlns:p14="http://schemas.microsoft.com/office/powerpoint/2007/7/12/main" val="1558211039"/>
       </p:ext>
     </p:extLst>
   </p:cSld>
@@ -1521,7 +1726,7 @@
     </p:spTree>
     <p:extLst>
       <p:ext uri="{BB962C8B-B14F-4D97-AF65-F5344CB8AC3E}">
-        <p14:creationId xmlns:p14="http://schemas.microsoft.com/office/powerpoint/2007/7/12/main" xmlns="" val="1628332576"/>
+        <p14:creationId xmlns="" xmlns:p14="http://schemas.microsoft.com/office/powerpoint/2007/7/12/main" val="1628332576"/>
       </p:ext>
     </p:extLst>
   </p:cSld>
@@ -1649,7 +1854,7 @@
     </p:spTree>
     <p:extLst>
       <p:ext uri="{BB962C8B-B14F-4D97-AF65-F5344CB8AC3E}">
-        <p14:creationId xmlns:p14="http://schemas.microsoft.com/office/powerpoint/2007/7/12/main" xmlns="" val="2992743950"/>
+        <p14:creationId xmlns="" xmlns:p14="http://schemas.microsoft.com/office/powerpoint/2007/7/12/main" val="2992743950"/>
       </p:ext>
     </p:extLst>
   </p:cSld>
@@ -1965,7 +2170,7 @@
     </p:spTree>
     <p:extLst>
       <p:ext uri="{BB962C8B-B14F-4D97-AF65-F5344CB8AC3E}">
-        <p14:creationId xmlns:p14="http://schemas.microsoft.com/office/powerpoint/2007/7/12/main" xmlns="" val="2396692856"/>
+        <p14:creationId xmlns="" xmlns:p14="http://schemas.microsoft.com/office/powerpoint/2007/7/12/main" val="2396692856"/>
       </p:ext>
     </p:extLst>
   </p:cSld>
@@ -2079,7 +2284,7 @@
     </p:spTree>
     <p:extLst>
       <p:ext uri="{BB962C8B-B14F-4D97-AF65-F5344CB8AC3E}">
-        <p14:creationId xmlns:p14="http://schemas.microsoft.com/office/powerpoint/2007/7/12/main" xmlns="" val="1884871016"/>
+        <p14:creationId xmlns="" xmlns:p14="http://schemas.microsoft.com/office/powerpoint/2007/7/12/main" val="1884871016"/>
       </p:ext>
     </p:extLst>
   </p:cSld>
@@ -2267,7 +2472,7 @@
     </p:spTree>
     <p:extLst>
       <p:ext uri="{BB962C8B-B14F-4D97-AF65-F5344CB8AC3E}">
-        <p14:creationId xmlns:p14="http://schemas.microsoft.com/office/powerpoint/2007/7/12/main" xmlns="" val="109521083"/>
+        <p14:creationId xmlns="" xmlns:p14="http://schemas.microsoft.com/office/powerpoint/2007/7/12/main" val="109521083"/>
       </p:ext>
     </p:extLst>
   </p:cSld>
@@ -2503,7 +2708,7 @@
     </p:spTree>
     <p:extLst>
       <p:ext uri="{BB962C8B-B14F-4D97-AF65-F5344CB8AC3E}">
-        <p14:creationId xmlns:p14="http://schemas.microsoft.com/office/powerpoint/2007/7/12/main" xmlns="" val="3121598289"/>
+        <p14:creationId xmlns="" xmlns:p14="http://schemas.microsoft.com/office/powerpoint/2007/7/12/main" val="3121598289"/>
       </p:ext>
     </p:extLst>
   </p:cSld>
@@ -2869,7 +3074,7 @@
     </p:spTree>
     <p:extLst>
       <p:ext uri="{BB962C8B-B14F-4D97-AF65-F5344CB8AC3E}">
-        <p14:creationId xmlns:p14="http://schemas.microsoft.com/office/powerpoint/2007/7/12/main" xmlns="" val="217596623"/>
+        <p14:creationId xmlns="" xmlns:p14="http://schemas.microsoft.com/office/powerpoint/2007/7/12/main" val="217596623"/>
       </p:ext>
     </p:extLst>
   </p:cSld>
@@ -3021,7 +3226,7 @@
     </p:spTree>
     <p:extLst>
       <p:ext uri="{BB962C8B-B14F-4D97-AF65-F5344CB8AC3E}">
-        <p14:creationId xmlns:p14="http://schemas.microsoft.com/office/powerpoint/2007/7/12/main" xmlns="" val="3760814106"/>
+        <p14:creationId xmlns="" xmlns:p14="http://schemas.microsoft.com/office/powerpoint/2007/7/12/main" val="3760814106"/>
       </p:ext>
     </p:extLst>
   </p:cSld>
@@ -3142,7 +3347,7 @@
     </p:spTree>
     <p:extLst>
       <p:ext uri="{BB962C8B-B14F-4D97-AF65-F5344CB8AC3E}">
-        <p14:creationId xmlns:p14="http://schemas.microsoft.com/office/powerpoint/2007/7/12/main" xmlns="" val="2449055135"/>
+        <p14:creationId xmlns="" xmlns:p14="http://schemas.microsoft.com/office/powerpoint/2007/7/12/main" val="2449055135"/>
       </p:ext>
     </p:extLst>
   </p:cSld>
@@ -3193,7 +3398,7 @@
           <a:blip r:embed="rId2" cstate="print">
             <a:extLst>
               <a:ext uri="28A0092B-C50C-407e-A947-70E740481C1C">
-                <a14:useLocalDpi xmlns:a14="http://schemas.microsoft.com/office/drawing/2007/7/7/main" xmlns="" val="0"/>
+                <a14:useLocalDpi xmlns="" xmlns:a14="http://schemas.microsoft.com/office/drawing/2007/7/7/main" val="0"/>
               </a:ext>
             </a:extLst>
           </a:blip>
@@ -3212,14 +3417,14 @@
           </a:prstGeom>
           <a:extLst>
             <a:ext uri="{909E8E84-426E-40dd-AFC4-6F175D3DCCD1}">
-              <a14:hiddenFill xmlns:a14="http://schemas.microsoft.com/office/drawing/2007/7/7/main" xmlns="">
+              <a14:hiddenFill xmlns="" xmlns:a14="http://schemas.microsoft.com/office/drawing/2007/7/7/main">
                 <a:solidFill>
                   <a:schemeClr val="accent1"/>
                 </a:solidFill>
               </a14:hiddenFill>
             </a:ext>
             <a:ext uri="{91240B29-F687-4f45-9708-019B960494DF}">
-              <a14:hiddenLine xmlns:a14="http://schemas.microsoft.com/office/drawing/2007/7/7/main" xmlns="" w="9525">
+              <a14:hiddenLine xmlns="" xmlns:a14="http://schemas.microsoft.com/office/drawing/2007/7/7/main" w="9525">
                 <a:solidFill>
                   <a:schemeClr val="tx1"/>
                 </a:solidFill>
@@ -3229,7 +3434,7 @@
               </a14:hiddenLine>
             </a:ext>
             <a:ext uri="{AF507438-7753-43e0-B8FC-AC1667EBCBE1}">
-              <a14:hiddenEffects xmlns:a14="http://schemas.microsoft.com/office/drawing/2007/7/7/main" xmlns="">
+              <a14:hiddenEffects xmlns="" xmlns:a14="http://schemas.microsoft.com/office/drawing/2007/7/7/main">
                 <a:effectLst>
                   <a:outerShdw blurRad="63500" dist="35921" dir="2700000" algn="ctr" rotWithShape="0">
                     <a:schemeClr val="bg2"/>
@@ -3334,7 +3539,7 @@
     </p:spTree>
     <p:extLst>
       <p:ext uri="{BB962C8B-B14F-4D97-AF65-F5344CB8AC3E}">
-        <p14:creationId xmlns:p14="http://schemas.microsoft.com/office/powerpoint/2007/7/12/main" xmlns="" val="1632735767"/>
+        <p14:creationId xmlns="" xmlns:p14="http://schemas.microsoft.com/office/powerpoint/2007/7/12/main" val="1632735767"/>
       </p:ext>
     </p:extLst>
   </p:cSld>
@@ -3553,7 +3758,7 @@
     </p:spTree>
     <p:extLst>
       <p:ext uri="{BB962C8B-B14F-4D97-AF65-F5344CB8AC3E}">
-        <p14:creationId xmlns:p14="http://schemas.microsoft.com/office/powerpoint/2007/7/12/main" xmlns="" val="1239055144"/>
+        <p14:creationId xmlns="" xmlns:p14="http://schemas.microsoft.com/office/powerpoint/2007/7/12/main" val="1239055144"/>
       </p:ext>
     </p:extLst>
   </p:cSld>
@@ -3604,7 +3809,7 @@
           <a:blip r:embed="rId15" cstate="print">
             <a:extLst>
               <a:ext uri="28A0092B-C50C-407e-A947-70E740481C1C">
-                <a14:useLocalDpi xmlns:a14="http://schemas.microsoft.com/office/drawing/2007/7/7/main" xmlns="" val="0"/>
+                <a14:useLocalDpi xmlns="" xmlns:a14="http://schemas.microsoft.com/office/drawing/2007/7/7/main" val="0"/>
               </a:ext>
             </a:extLst>
           </a:blip>
@@ -3623,14 +3828,14 @@
           </a:prstGeom>
           <a:extLst>
             <a:ext uri="{909E8E84-426E-40dd-AFC4-6F175D3DCCD1}">
-              <a14:hiddenFill xmlns:a14="http://schemas.microsoft.com/office/drawing/2007/7/7/main" xmlns="">
+              <a14:hiddenFill xmlns="" xmlns:a14="http://schemas.microsoft.com/office/drawing/2007/7/7/main">
                 <a:solidFill>
                   <a:schemeClr val="accent1"/>
                 </a:solidFill>
               </a14:hiddenFill>
             </a:ext>
             <a:ext uri="{91240B29-F687-4f45-9708-019B960494DF}">
-              <a14:hiddenLine xmlns:a14="http://schemas.microsoft.com/office/drawing/2007/7/7/main" xmlns="" w="9525">
+              <a14:hiddenLine xmlns="" xmlns:a14="http://schemas.microsoft.com/office/drawing/2007/7/7/main" w="9525">
                 <a:solidFill>
                   <a:schemeClr val="tx1"/>
                 </a:solidFill>
@@ -3640,7 +3845,7 @@
               </a14:hiddenLine>
             </a:ext>
             <a:ext uri="{AF507438-7753-43e0-B8FC-AC1667EBCBE1}">
-              <a14:hiddenEffects xmlns:a14="http://schemas.microsoft.com/office/drawing/2007/7/7/main" xmlns="">
+              <a14:hiddenEffects xmlns="" xmlns:a14="http://schemas.microsoft.com/office/drawing/2007/7/7/main">
                 <a:effectLst>
                   <a:outerShdw blurRad="63500" dist="35921" dir="2700000" algn="ctr" rotWithShape="0">
                     <a:schemeClr val="bg2"/>
@@ -3758,7 +3963,7 @@
           <a:blip r:embed="rId16" cstate="print">
             <a:extLst>
               <a:ext uri="28A0092B-C50C-407e-A947-70E740481C1C">
-                <a14:useLocalDpi xmlns:a14="http://schemas.microsoft.com/office/drawing/2007/7/7/main" xmlns="" val="0"/>
+                <a14:useLocalDpi xmlns="" xmlns:a14="http://schemas.microsoft.com/office/drawing/2007/7/7/main" val="0"/>
               </a:ext>
             </a:extLst>
           </a:blip>
@@ -3777,14 +3982,14 @@
           </a:prstGeom>
           <a:extLst>
             <a:ext uri="{909E8E84-426E-40dd-AFC4-6F175D3DCCD1}">
-              <a14:hiddenFill xmlns:a14="http://schemas.microsoft.com/office/drawing/2007/7/7/main" xmlns="">
+              <a14:hiddenFill xmlns="" xmlns:a14="http://schemas.microsoft.com/office/drawing/2007/7/7/main">
                 <a:solidFill>
                   <a:srgbClr xmlns:mc="http://schemas.openxmlformats.org/markup-compatibility/2006" val="FFFFFF" mc:Ignorable=""/>
                 </a:solidFill>
               </a14:hiddenFill>
             </a:ext>
             <a:ext uri="{91240B29-F687-4f45-9708-019B960494DF}">
-              <a14:hiddenLine xmlns:a14="http://schemas.microsoft.com/office/drawing/2007/7/7/main" xmlns="" w="9525">
+              <a14:hiddenLine xmlns="" xmlns:a14="http://schemas.microsoft.com/office/drawing/2007/7/7/main" w="9525">
                 <a:solidFill>
                   <a:srgbClr xmlns:mc="http://schemas.openxmlformats.org/markup-compatibility/2006" val="000000" mc:Ignorable=""/>
                 </a:solidFill>
@@ -3794,7 +3999,7 @@
               </a14:hiddenLine>
             </a:ext>
             <a:ext uri="{53640926-AAD7-44d8-BBD7-CCE9431645EC}">
-              <a14:shadowObscured xmlns:a14="http://schemas.microsoft.com/office/drawing/2007/7/7/main" xmlns="" val="1"/>
+              <a14:shadowObscured xmlns="" xmlns:a14="http://schemas.microsoft.com/office/drawing/2007/7/7/main" val="1"/>
             </a:ext>
           </a:extLst>
         </p:spPr>
@@ -3811,7 +4016,7 @@
           <a:blip r:embed="rId17" cstate="print">
             <a:extLst>
               <a:ext uri="28A0092B-C50C-407e-A947-70E740481C1C">
-                <a14:useLocalDpi xmlns:a14="http://schemas.microsoft.com/office/drawing/2007/7/7/main" xmlns="" val="0"/>
+                <a14:useLocalDpi xmlns="" xmlns:a14="http://schemas.microsoft.com/office/drawing/2007/7/7/main" val="0"/>
               </a:ext>
             </a:extLst>
           </a:blip>
@@ -3830,14 +4035,14 @@
           </a:prstGeom>
           <a:extLst>
             <a:ext uri="{909E8E84-426E-40dd-AFC4-6F175D3DCCD1}">
-              <a14:hiddenFill xmlns:a14="http://schemas.microsoft.com/office/drawing/2007/7/7/main" xmlns="">
+              <a14:hiddenFill xmlns="" xmlns:a14="http://schemas.microsoft.com/office/drawing/2007/7/7/main">
                 <a:solidFill>
                   <a:srgbClr xmlns:mc="http://schemas.openxmlformats.org/markup-compatibility/2006" val="FFFFFF" mc:Ignorable=""/>
                 </a:solidFill>
               </a14:hiddenFill>
             </a:ext>
             <a:ext uri="{91240B29-F687-4f45-9708-019B960494DF}">
-              <a14:hiddenLine xmlns:a14="http://schemas.microsoft.com/office/drawing/2007/7/7/main" xmlns="" w="9525">
+              <a14:hiddenLine xmlns="" xmlns:a14="http://schemas.microsoft.com/office/drawing/2007/7/7/main" w="9525">
                 <a:solidFill>
                   <a:srgbClr xmlns:mc="http://schemas.openxmlformats.org/markup-compatibility/2006" val="000000" mc:Ignorable=""/>
                 </a:solidFill>
@@ -3876,7 +4081,7 @@
     </p:spTree>
     <p:extLst>
       <p:ext uri="{BB962C8B-B14F-4D97-AF65-F5344CB8AC3E}">
-        <p14:creationId xmlns:p14="http://schemas.microsoft.com/office/powerpoint/2007/7/12/main" xmlns="" val="3135767725"/>
+        <p14:creationId xmlns="" xmlns:p14="http://schemas.microsoft.com/office/powerpoint/2007/7/12/main" val="3135767725"/>
       </p:ext>
     </p:extLst>
   </p:cSld>
@@ -4595,29 +4800,7 @@
                   </a:schemeClr>
                 </a:solidFill>
               </a:rPr>
-              <a:t>43ª </a:t>
-            </a:r>
-            <a:r>
-              <a:rPr lang="pt-PT" sz="2800" b="1" dirty="0" smtClean="0">
-                <a:solidFill>
-                  <a:schemeClr val="tx1">
-                    <a:lumMod val="65000"/>
-                    <a:lumOff val="35000"/>
-                  </a:schemeClr>
-                </a:solidFill>
-              </a:rPr>
-              <a:t>Reunião Presencial - </a:t>
-            </a:r>
-            <a:r>
-              <a:rPr lang="pt-PT" sz="2800" b="1" dirty="0" smtClean="0">
-                <a:solidFill>
-                  <a:schemeClr val="tx1">
-                    <a:lumMod val="65000"/>
-                    <a:lumOff val="35000"/>
-                  </a:schemeClr>
-                </a:solidFill>
-              </a:rPr>
-              <a:t>23/11/2013</a:t>
+              <a:t>43ª Reunião Presencial - 23/11/2013</a:t>
             </a:r>
             <a:endParaRPr lang="pt-PT" sz="2800" b="1" dirty="0">
               <a:solidFill>
@@ -4650,99 +4833,6 @@
         <p:txBody>
           <a:bodyPr vert="horz" lIns="91440" tIns="45720" rIns="91440" bIns="45720" rtlCol="0" anchor="ctr">
             <a:normAutofit/>
-          </a:bodyPr>
-          <a:lstStyle/>
-          <a:p>
-            <a:pPr marL="0" marR="0" lvl="0" indent="0" algn="ctr" defTabSz="914400" rtl="0" eaLnBrk="1" fontAlgn="auto" latinLnBrk="0" hangingPunct="1">
-              <a:lnSpc>
-                <a:spcPct val="100000"/>
-              </a:lnSpc>
-              <a:spcBef>
-                <a:spcPct val="0"/>
-              </a:spcBef>
-              <a:spcAft>
-                <a:spcPts val="0"/>
-              </a:spcAft>
-              <a:buClrTx/>
-              <a:buSzTx/>
-              <a:buFontTx/>
-              <a:buNone/>
-              <a:tabLst/>
-              <a:defRPr/>
-            </a:pPr>
-            <a:r>
-              <a:rPr kumimoji="0" lang="en-US" sz="4800" b="0" i="0" u="none" strike="noStrike" kern="1200" cap="none" spc="0" normalizeH="0" baseline="0" noProof="0" dirty="0" smtClean="0">
-                <a:ln>
-                  <a:noFill/>
-                </a:ln>
-                <a:solidFill>
-                  <a:schemeClr val="tx1"/>
-                </a:solidFill>
-                <a:effectLst/>
-                <a:uLnTx/>
-                <a:uFillTx/>
-                <a:latin typeface="+mj-lt"/>
-                <a:ea typeface="+mj-ea"/>
-                <a:cs typeface="+mj-cs"/>
-              </a:rPr>
-              <a:t>... with </a:t>
-            </a:r>
-            <a:r>
-              <a:rPr kumimoji="0" lang="en-US" sz="4800" b="0" i="0" u="none" strike="noStrike" kern="1200" cap="none" spc="0" normalizeH="0" baseline="0" noProof="0" dirty="0" err="1" smtClean="0">
-                <a:ln>
-                  <a:noFill/>
-                </a:ln>
-                <a:solidFill>
-                  <a:schemeClr val="tx1"/>
-                </a:solidFill>
-                <a:effectLst/>
-                <a:uLnTx/>
-                <a:uFillTx/>
-                <a:latin typeface="+mj-lt"/>
-                <a:ea typeface="+mj-ea"/>
-                <a:cs typeface="+mj-cs"/>
-              </a:rPr>
-              <a:t>NVelocity</a:t>
-            </a:r>
-            <a:endParaRPr kumimoji="0" lang="pt-PT" sz="2100" b="1" i="0" u="none" strike="noStrike" kern="1200" cap="none" spc="0" normalizeH="0" baseline="0" noProof="0" dirty="0">
-              <a:ln>
-                <a:noFill/>
-              </a:ln>
-              <a:solidFill>
-                <a:schemeClr val="bg1">
-                  <a:lumMod val="50000"/>
-                </a:schemeClr>
-              </a:solidFill>
-              <a:effectLst/>
-              <a:uLnTx/>
-              <a:uFillTx/>
-              <a:latin typeface="Courier New" pitchFamily="49" charset="0"/>
-              <a:ea typeface="+mj-ea"/>
-              <a:cs typeface="Courier New" pitchFamily="49" charset="0"/>
-            </a:endParaRPr>
-          </a:p>
-        </p:txBody>
-      </p:sp>
-      <p:sp>
-        <p:nvSpPr>
-          <p:cNvPr id="9" name="Title 1"/>
-          <p:cNvSpPr txBox="1">
-            <a:spLocks/>
-          </p:cNvSpPr>
-          <p:nvPr/>
-        </p:nvSpPr>
-        <p:spPr>
-          <a:xfrm>
-            <a:off x="0" y="5445224"/>
-            <a:ext cx="9906000" cy="912734"/>
-          </a:xfrm>
-          <a:prstGeom prst="rect">
-            <a:avLst/>
-          </a:prstGeom>
-        </p:spPr>
-        <p:txBody>
-          <a:bodyPr vert="horz" lIns="91440" tIns="45720" rIns="91440" bIns="45720" rtlCol="0" anchor="ctr">
-            <a:normAutofit fontScale="77500" lnSpcReduction="20000"/>
           </a:bodyPr>
           <a:lstStyle/>
           <a:p>
@@ -4764,6 +4854,99 @@
               <a:defRPr/>
             </a:pPr>
             <a:r>
+              <a:rPr kumimoji="0" lang="en-US" sz="4800" b="0" i="0" u="none" strike="noStrike" kern="1200" cap="none" spc="0" normalizeH="0" baseline="0" noProof="0" dirty="0" smtClean="0">
+                <a:ln>
+                  <a:noFill/>
+                </a:ln>
+                <a:solidFill>
+                  <a:schemeClr val="tx1"/>
+                </a:solidFill>
+                <a:effectLst/>
+                <a:uLnTx/>
+                <a:uFillTx/>
+                <a:latin typeface="+mj-lt"/>
+                <a:ea typeface="+mj-ea"/>
+                <a:cs typeface="+mj-cs"/>
+              </a:rPr>
+              <a:t>... with </a:t>
+            </a:r>
+            <a:r>
+              <a:rPr kumimoji="0" lang="en-US" sz="4800" b="0" i="0" u="none" strike="noStrike" kern="1200" cap="none" spc="0" normalizeH="0" baseline="0" noProof="0" dirty="0" err="1" smtClean="0">
+                <a:ln>
+                  <a:noFill/>
+                </a:ln>
+                <a:solidFill>
+                  <a:schemeClr val="tx1"/>
+                </a:solidFill>
+                <a:effectLst/>
+                <a:uLnTx/>
+                <a:uFillTx/>
+                <a:latin typeface="+mj-lt"/>
+                <a:ea typeface="+mj-ea"/>
+                <a:cs typeface="+mj-cs"/>
+              </a:rPr>
+              <a:t>NVelocity</a:t>
+            </a:r>
+            <a:endParaRPr kumimoji="0" lang="pt-PT" sz="2100" b="1" i="0" u="none" strike="noStrike" kern="1200" cap="none" spc="0" normalizeH="0" baseline="0" noProof="0" dirty="0">
+              <a:ln>
+                <a:noFill/>
+              </a:ln>
+              <a:solidFill>
+                <a:schemeClr val="bg1">
+                  <a:lumMod val="50000"/>
+                </a:schemeClr>
+              </a:solidFill>
+              <a:effectLst/>
+              <a:uLnTx/>
+              <a:uFillTx/>
+              <a:latin typeface="Courier New" pitchFamily="49" charset="0"/>
+              <a:ea typeface="+mj-ea"/>
+              <a:cs typeface="Courier New" pitchFamily="49" charset="0"/>
+            </a:endParaRPr>
+          </a:p>
+        </p:txBody>
+      </p:sp>
+      <p:sp>
+        <p:nvSpPr>
+          <p:cNvPr id="9" name="Title 1"/>
+          <p:cNvSpPr txBox="1">
+            <a:spLocks/>
+          </p:cNvSpPr>
+          <p:nvPr/>
+        </p:nvSpPr>
+        <p:spPr>
+          <a:xfrm>
+            <a:off x="0" y="5445224"/>
+            <a:ext cx="9906000" cy="912734"/>
+          </a:xfrm>
+          <a:prstGeom prst="rect">
+            <a:avLst/>
+          </a:prstGeom>
+        </p:spPr>
+        <p:txBody>
+          <a:bodyPr vert="horz" lIns="91440" tIns="45720" rIns="91440" bIns="45720" rtlCol="0" anchor="ctr">
+            <a:normAutofit fontScale="77500" lnSpcReduction="20000"/>
+          </a:bodyPr>
+          <a:lstStyle/>
+          <a:p>
+            <a:pPr marL="0" marR="0" lvl="0" indent="0" algn="r" defTabSz="914400" rtl="0" eaLnBrk="1" fontAlgn="auto" latinLnBrk="0" hangingPunct="1">
+              <a:lnSpc>
+                <a:spcPct val="100000"/>
+              </a:lnSpc>
+              <a:spcBef>
+                <a:spcPct val="0"/>
+              </a:spcBef>
+              <a:spcAft>
+                <a:spcPts val="0"/>
+              </a:spcAft>
+              <a:buClrTx/>
+              <a:buSzTx/>
+              <a:buFontTx/>
+              <a:buNone/>
+              <a:tabLst/>
+              <a:defRPr/>
+            </a:pPr>
+            <a:r>
               <a:rPr kumimoji="0" lang="pt-PT" sz="4800" b="1" i="0" u="none" strike="noStrike" kern="1200" cap="none" spc="0" normalizeH="0" baseline="0" noProof="0" dirty="0" smtClean="0">
                 <a:ln>
                   <a:noFill/>
@@ -4837,7 +5020,7 @@
     </p:spTree>
     <p:extLst>
       <p:ext uri="{BB962C8B-B14F-4D97-AF65-F5344CB8AC3E}">
-        <p14:creationId xmlns:p14="http://schemas.microsoft.com/office/powerpoint/2007/7/12/main" xmlns="" val="1337988155"/>
+        <p14:creationId xmlns="" xmlns:p14="http://schemas.microsoft.com/office/powerpoint/2007/7/12/main" val="1337988155"/>
       </p:ext>
     </p:extLst>
   </p:cSld>
@@ -4854,7 +5037,7 @@
 </p:sld>
 </file>
 
-<file path=ppt/slides/slide2.xml><?xml version="1.0" encoding="utf-8"?>
+<file path=ppt/slides/slide10.xml><?xml version="1.0" encoding="utf-8"?>
 <p:sld xmlns:a="http://schemas.openxmlformats.org/drawingml/2006/main" xmlns:r="http://schemas.openxmlformats.org/officeDocument/2006/relationships" xmlns:p="http://schemas.openxmlformats.org/presentationml/2006/main">
   <p:cSld>
     <p:spTree>
@@ -4873,7 +5056,7 @@
       </p:grpSpPr>
       <p:sp>
         <p:nvSpPr>
-          <p:cNvPr id="6" name="Title 1"/>
+          <p:cNvPr id="2" name="Title 1"/>
           <p:cNvSpPr>
             <a:spLocks noGrp="1"/>
           </p:cNvSpPr>
@@ -4881,23 +5064,14 @@
             <p:ph type="title"/>
           </p:nvPr>
         </p:nvSpPr>
-        <p:spPr>
-          <a:xfrm>
-            <a:off x="2871564" y="548680"/>
-            <a:ext cx="4817740" cy="972108"/>
-          </a:xfrm>
-          <a:effectLst/>
-        </p:spPr>
-        <p:txBody>
-          <a:bodyPr>
-            <a:normAutofit/>
-          </a:bodyPr>
+        <p:spPr/>
+        <p:txBody>
+          <a:bodyPr/>
           <a:lstStyle/>
           <a:p>
-            <a:pPr algn="just"/>
             <a:r>
               <a:rPr lang="pt-PT" dirty="0" smtClean="0"/>
-              <a:t>Nuno Cancelo</a:t>
+              <a:t>NVelocity – Síntaxe	</a:t>
             </a:r>
             <a:endParaRPr lang="pt-PT" dirty="0"/>
           </a:p>
@@ -4905,7 +5079,7 @@
       </p:sp>
       <p:sp>
         <p:nvSpPr>
-          <p:cNvPr id="7" name="Content Placeholder 2"/>
+          <p:cNvPr id="4" name="Content Placeholder 3"/>
           <p:cNvSpPr>
             <a:spLocks noGrp="1"/>
           </p:cNvSpPr>
@@ -4913,241 +5087,364 @@
             <p:ph idx="1"/>
           </p:nvPr>
         </p:nvSpPr>
-        <p:spPr>
-          <a:xfrm>
-            <a:off x="704528" y="2492896"/>
-            <a:ext cx="8424936" cy="2980927"/>
-          </a:xfrm>
-        </p:spPr>
+        <p:spPr/>
         <p:txBody>
           <a:bodyPr>
             <a:noAutofit/>
           </a:bodyPr>
           <a:lstStyle/>
           <a:p>
-            <a:pPr marL="0" indent="0">
-              <a:lnSpc>
-                <a:spcPct val="200000"/>
-              </a:lnSpc>
-            </a:pPr>
-            <a:r>
-              <a:rPr lang="pt-PT" sz="2600" dirty="0" smtClean="0"/>
-              <a:t> </a:t>
-            </a:r>
-            <a:r>
-              <a:rPr lang="pt-PT" sz="2600" dirty="0" smtClean="0"/>
-              <a:t>Licenciado em Eng. Informática e de Computadores (ISEL)</a:t>
-            </a:r>
-          </a:p>
-          <a:p>
-            <a:pPr marL="0" indent="0">
-              <a:lnSpc>
-                <a:spcPct val="200000"/>
-              </a:lnSpc>
-            </a:pPr>
+            <a:r>
+              <a:rPr lang="pt-PT" sz="3200" dirty="0" smtClean="0"/>
+              <a:t>Referências</a:t>
+            </a:r>
+          </a:p>
+          <a:p>
+            <a:r>
+              <a:rPr lang="pt-PT" sz="3200" dirty="0" smtClean="0"/>
+              <a:t>Statements</a:t>
+            </a:r>
+          </a:p>
+          <a:p>
+            <a:pPr lvl="1"/>
             <a:r>
               <a:rPr lang="pt-PT" sz="2800" dirty="0" smtClean="0"/>
-              <a:t> </a:t>
-            </a:r>
-            <a:r>
-              <a:rPr lang="pt-PT" sz="2600" dirty="0" smtClean="0"/>
-              <a:t>Tirar o mestrado em Eng. Informática (ISCTE)</a:t>
-            </a:r>
-          </a:p>
-          <a:p>
-            <a:pPr marL="0" indent="0">
-              <a:lnSpc>
-                <a:spcPct val="200000"/>
-              </a:lnSpc>
-            </a:pPr>
+              <a:t>IF</a:t>
+            </a:r>
+          </a:p>
+          <a:p>
+            <a:pPr lvl="1"/>
             <a:r>
               <a:rPr lang="pt-PT" sz="2800" dirty="0" smtClean="0"/>
-              <a:t> </a:t>
-            </a:r>
-            <a:r>
-              <a:rPr lang="pt-PT" sz="2600" dirty="0" smtClean="0"/>
-              <a:t>Technical Consultant @ CGI </a:t>
-            </a:r>
-          </a:p>
-          <a:p>
-            <a:pPr marL="0" indent="0"/>
-            <a:endParaRPr lang="pt-PT" sz="2800" dirty="0" smtClean="0"/>
-          </a:p>
-          <a:p>
-            <a:pPr marL="0" indent="0"/>
-            <a:endParaRPr lang="pt-PT" sz="2800" dirty="0" smtClean="0"/>
-          </a:p>
-        </p:txBody>
-      </p:sp>
-      <p:pic>
-        <p:nvPicPr>
-          <p:cNvPr id="4" name="Picture 3" descr="DENNIS-THE-MENACE-1.gif"/>
-          <p:cNvPicPr>
-            <a:picLocks noChangeAspect="1"/>
-          </p:cNvPicPr>
-          <p:nvPr/>
-        </p:nvPicPr>
-        <p:blipFill>
-          <a:blip r:embed="rId2" cstate="print"/>
-          <a:stretch>
-            <a:fillRect/>
-          </a:stretch>
-        </p:blipFill>
-        <p:spPr>
-          <a:xfrm>
-            <a:off x="632520" y="548680"/>
-            <a:ext cx="1905000" cy="1905000"/>
-          </a:xfrm>
-          <a:prstGeom prst="rect">
-            <a:avLst/>
-          </a:prstGeom>
-        </p:spPr>
-      </p:pic>
-      <p:pic>
-        <p:nvPicPr>
-          <p:cNvPr id="5" name="Picture 4" descr="Nuno_Cancelo.jpg"/>
-          <p:cNvPicPr>
-            <a:picLocks noChangeAspect="1"/>
-          </p:cNvPicPr>
-          <p:nvPr/>
-        </p:nvPicPr>
-        <p:blipFill>
-          <a:blip r:embed="rId3" cstate="print"/>
-          <a:stretch>
-            <a:fillRect/>
-          </a:stretch>
-        </p:blipFill>
-        <p:spPr>
-          <a:xfrm>
-            <a:off x="7689304" y="4149080"/>
-            <a:ext cx="1463040" cy="1901952"/>
-          </a:xfrm>
-          <a:prstGeom prst="rect">
-            <a:avLst/>
-          </a:prstGeom>
-        </p:spPr>
-      </p:pic>
-      <p:sp>
-        <p:nvSpPr>
-          <p:cNvPr id="8" name="Title 1"/>
-          <p:cNvSpPr txBox="1">
-            <a:spLocks/>
-          </p:cNvSpPr>
-          <p:nvPr/>
-        </p:nvSpPr>
-        <p:spPr>
-          <a:xfrm>
-            <a:off x="2864768" y="1304764"/>
-            <a:ext cx="5393804" cy="566936"/>
-          </a:xfrm>
-          <a:prstGeom prst="rect">
-            <a:avLst/>
-          </a:prstGeom>
-          <a:effectLst/>
-        </p:spPr>
-        <p:txBody>
-          <a:bodyPr vert="horz" lIns="91440" tIns="45720" rIns="91440" bIns="45720" rtlCol="0" anchor="ctr">
-            <a:normAutofit lnSpcReduction="10000"/>
-          </a:bodyPr>
-          <a:lstStyle/>
-          <a:p>
-            <a:pPr marL="0" marR="0" lvl="0" indent="0" defTabSz="914400" rtl="0" eaLnBrk="1" fontAlgn="auto" latinLnBrk="0" hangingPunct="1">
-              <a:lnSpc>
-                <a:spcPct val="100000"/>
-              </a:lnSpc>
-              <a:spcBef>
-                <a:spcPct val="0"/>
-              </a:spcBef>
-              <a:spcAft>
-                <a:spcPts val="0"/>
-              </a:spcAft>
-              <a:buClrTx/>
-              <a:buSzTx/>
-              <a:buFontTx/>
-              <a:buNone/>
-              <a:tabLst/>
-              <a:defRPr/>
-            </a:pPr>
-            <a:r>
-              <a:rPr kumimoji="0" lang="pt-PT" sz="3200" b="1" i="0" u="none" strike="noStrike" kern="1200" cap="none" spc="0" normalizeH="0" baseline="0" noProof="0" dirty="0" smtClean="0">
-                <a:ln>
-                  <a:noFill/>
-                </a:ln>
-                <a:solidFill>
-                  <a:schemeClr val="tx1"/>
-                </a:solidFill>
-                <a:effectLst/>
-                <a:uLnTx/>
-                <a:uFillTx/>
-                <a:latin typeface="+mj-lt"/>
-                <a:ea typeface="+mj-ea"/>
-                <a:cs typeface="+mj-cs"/>
-              </a:rPr>
-              <a:t>Computer</a:t>
-            </a:r>
-            <a:r>
-              <a:rPr kumimoji="0" lang="pt-PT" sz="3200" b="1" i="0" u="none" strike="noStrike" kern="1200" cap="none" spc="0" normalizeH="0" noProof="0" dirty="0" smtClean="0">
-                <a:ln>
-                  <a:noFill/>
-                </a:ln>
-                <a:solidFill>
-                  <a:schemeClr val="tx1"/>
-                </a:solidFill>
-                <a:effectLst/>
-                <a:uLnTx/>
-                <a:uFillTx/>
-                <a:latin typeface="+mj-lt"/>
-                <a:ea typeface="+mj-ea"/>
-                <a:cs typeface="+mj-cs"/>
-              </a:rPr>
-              <a:t> Science Engineer</a:t>
-            </a:r>
-            <a:endParaRPr kumimoji="0" lang="pt-PT" sz="3200" b="1" i="0" u="none" strike="noStrike" kern="1200" cap="none" spc="0" normalizeH="0" baseline="0" noProof="0" dirty="0">
-              <a:ln>
-                <a:noFill/>
-              </a:ln>
-              <a:solidFill>
-                <a:schemeClr val="tx1"/>
-              </a:solidFill>
-              <a:effectLst/>
-              <a:uLnTx/>
-              <a:uFillTx/>
-              <a:latin typeface="+mj-lt"/>
-              <a:ea typeface="+mj-ea"/>
-              <a:cs typeface="+mj-cs"/>
-            </a:endParaRPr>
+              <a:t>Foreach</a:t>
+            </a:r>
+          </a:p>
+          <a:p>
+            <a:pPr lvl="1"/>
+            <a:r>
+              <a:rPr lang="pt-PT" sz="2800" dirty="0" smtClean="0"/>
+              <a:t>Include / Parse</a:t>
+            </a:r>
+          </a:p>
+          <a:p>
+            <a:pPr lvl="1"/>
+            <a:r>
+              <a:rPr lang="pt-PT" sz="2800" dirty="0" smtClean="0"/>
+              <a:t>Break / Stop</a:t>
+            </a:r>
+          </a:p>
+          <a:p>
+            <a:pPr lvl="1"/>
+            <a:r>
+              <a:rPr lang="pt-PT" sz="2800" dirty="0" smtClean="0"/>
+              <a:t>Evaluate / Define</a:t>
+            </a:r>
+          </a:p>
+          <a:p>
+            <a:endParaRPr lang="pt-PT" sz="3200" dirty="0" smtClean="0"/>
           </a:p>
         </p:txBody>
       </p:sp>
     </p:spTree>
     <p:extLst>
       <p:ext uri="{BB962C8B-B14F-4D97-AF65-F5344CB8AC3E}">
-        <p14:creationId xmlns:p14="http://schemas.microsoft.com/office/powerpoint/2007/7/12/main" xmlns="" val="1875469109"/>
+        <p14:creationId xmlns="" xmlns:p14="http://schemas.microsoft.com/office/powerpoint/2007/7/12/main" val="564663352"/>
       </p:ext>
     </p:extLst>
   </p:cSld>
   <p:clrMapOvr>
     <a:masterClrMapping/>
   </p:clrMapOvr>
-  <mc:AlternateContent xmlns:mc="http://schemas.openxmlformats.org/markup-compatibility/2006">
-    <mc:Choice xmlns:p14="http://schemas.microsoft.com/office/powerpoint/2007/7/12/main" xmlns="" Requires="p14">
-      <p:transition spd="slow" p14:dur="2000"/>
-    </mc:Choice>
-    <mc:Fallback>
-      <p:transition spd="slow"/>
-    </mc:Fallback>
-  </mc:AlternateContent>
   <p:timing>
     <p:tnLst>
       <p:par>
-        <p:cTn id="1" dur="indefinite" restart="never" nodeType="tmRoot"/>
+        <p:cTn id="1" dur="indefinite" restart="never" nodeType="tmRoot">
+          <p:childTnLst>
+            <p:seq concurrent="1" nextAc="seek">
+              <p:cTn id="2" dur="indefinite" nodeType="mainSeq">
+                <p:childTnLst>
+                  <p:par>
+                    <p:cTn id="3" fill="hold">
+                      <p:stCondLst>
+                        <p:cond delay="indefinite"/>
+                      </p:stCondLst>
+                      <p:childTnLst>
+                        <p:par>
+                          <p:cTn id="4" fill="hold">
+                            <p:stCondLst>
+                              <p:cond delay="0"/>
+                            </p:stCondLst>
+                            <p:childTnLst>
+                              <p:par>
+                                <p:cTn id="5" presetID="1" presetClass="entr" presetSubtype="0" fill="hold" grpId="0" nodeType="clickEffect">
+                                  <p:stCondLst>
+                                    <p:cond delay="0"/>
+                                  </p:stCondLst>
+                                  <p:childTnLst>
+                                    <p:set>
+                                      <p:cBhvr>
+                                        <p:cTn id="6" dur="1" fill="hold">
+                                          <p:stCondLst>
+                                            <p:cond delay="0"/>
+                                          </p:stCondLst>
+                                        </p:cTn>
+                                        <p:tgtEl>
+                                          <p:spTgt spid="4">
+                                            <p:txEl>
+                                              <p:pRg st="0" end="0"/>
+                                            </p:txEl>
+                                          </p:spTgt>
+                                        </p:tgtEl>
+                                        <p:attrNameLst>
+                                          <p:attrName>style.visibility</p:attrName>
+                                        </p:attrNameLst>
+                                      </p:cBhvr>
+                                      <p:to>
+                                        <p:strVal val="visible"/>
+                                      </p:to>
+                                    </p:set>
+                                  </p:childTnLst>
+                                </p:cTn>
+                              </p:par>
+                            </p:childTnLst>
+                          </p:cTn>
+                        </p:par>
+                      </p:childTnLst>
+                    </p:cTn>
+                  </p:par>
+                  <p:par>
+                    <p:cTn id="7" fill="hold">
+                      <p:stCondLst>
+                        <p:cond delay="indefinite"/>
+                      </p:stCondLst>
+                      <p:childTnLst>
+                        <p:par>
+                          <p:cTn id="8" fill="hold">
+                            <p:stCondLst>
+                              <p:cond delay="0"/>
+                            </p:stCondLst>
+                            <p:childTnLst>
+                              <p:par>
+                                <p:cTn id="9" presetID="1" presetClass="entr" presetSubtype="0" fill="hold" grpId="0" nodeType="clickEffect">
+                                  <p:stCondLst>
+                                    <p:cond delay="0"/>
+                                  </p:stCondLst>
+                                  <p:childTnLst>
+                                    <p:set>
+                                      <p:cBhvr>
+                                        <p:cTn id="10" dur="1" fill="hold">
+                                          <p:stCondLst>
+                                            <p:cond delay="0"/>
+                                          </p:stCondLst>
+                                        </p:cTn>
+                                        <p:tgtEl>
+                                          <p:spTgt spid="4">
+                                            <p:txEl>
+                                              <p:pRg st="1" end="1"/>
+                                            </p:txEl>
+                                          </p:spTgt>
+                                        </p:tgtEl>
+                                        <p:attrNameLst>
+                                          <p:attrName>style.visibility</p:attrName>
+                                        </p:attrNameLst>
+                                      </p:cBhvr>
+                                      <p:to>
+                                        <p:strVal val="visible"/>
+                                      </p:to>
+                                    </p:set>
+                                  </p:childTnLst>
+                                </p:cTn>
+                              </p:par>
+                              <p:par>
+                                <p:cTn id="11" presetID="1" presetClass="entr" presetSubtype="0" fill="hold" grpId="0" nodeType="withEffect">
+                                  <p:stCondLst>
+                                    <p:cond delay="0"/>
+                                  </p:stCondLst>
+                                  <p:childTnLst>
+                                    <p:set>
+                                      <p:cBhvr>
+                                        <p:cTn id="12" dur="1" fill="hold">
+                                          <p:stCondLst>
+                                            <p:cond delay="0"/>
+                                          </p:stCondLst>
+                                        </p:cTn>
+                                        <p:tgtEl>
+                                          <p:spTgt spid="4">
+                                            <p:txEl>
+                                              <p:pRg st="2" end="2"/>
+                                            </p:txEl>
+                                          </p:spTgt>
+                                        </p:tgtEl>
+                                        <p:attrNameLst>
+                                          <p:attrName>style.visibility</p:attrName>
+                                        </p:attrNameLst>
+                                      </p:cBhvr>
+                                      <p:to>
+                                        <p:strVal val="visible"/>
+                                      </p:to>
+                                    </p:set>
+                                  </p:childTnLst>
+                                </p:cTn>
+                              </p:par>
+                              <p:par>
+                                <p:cTn id="13" presetID="1" presetClass="entr" presetSubtype="0" fill="hold" grpId="0" nodeType="withEffect">
+                                  <p:stCondLst>
+                                    <p:cond delay="0"/>
+                                  </p:stCondLst>
+                                  <p:childTnLst>
+                                    <p:set>
+                                      <p:cBhvr>
+                                        <p:cTn id="14" dur="1" fill="hold">
+                                          <p:stCondLst>
+                                            <p:cond delay="0"/>
+                                          </p:stCondLst>
+                                        </p:cTn>
+                                        <p:tgtEl>
+                                          <p:spTgt spid="4">
+                                            <p:txEl>
+                                              <p:pRg st="3" end="3"/>
+                                            </p:txEl>
+                                          </p:spTgt>
+                                        </p:tgtEl>
+                                        <p:attrNameLst>
+                                          <p:attrName>style.visibility</p:attrName>
+                                        </p:attrNameLst>
+                                      </p:cBhvr>
+                                      <p:to>
+                                        <p:strVal val="visible"/>
+                                      </p:to>
+                                    </p:set>
+                                  </p:childTnLst>
+                                </p:cTn>
+                              </p:par>
+                              <p:par>
+                                <p:cTn id="15" presetID="1" presetClass="entr" presetSubtype="0" fill="hold" grpId="0" nodeType="withEffect">
+                                  <p:stCondLst>
+                                    <p:cond delay="0"/>
+                                  </p:stCondLst>
+                                  <p:childTnLst>
+                                    <p:set>
+                                      <p:cBhvr>
+                                        <p:cTn id="16" dur="1" fill="hold">
+                                          <p:stCondLst>
+                                            <p:cond delay="0"/>
+                                          </p:stCondLst>
+                                        </p:cTn>
+                                        <p:tgtEl>
+                                          <p:spTgt spid="4">
+                                            <p:txEl>
+                                              <p:pRg st="4" end="4"/>
+                                            </p:txEl>
+                                          </p:spTgt>
+                                        </p:tgtEl>
+                                        <p:attrNameLst>
+                                          <p:attrName>style.visibility</p:attrName>
+                                        </p:attrNameLst>
+                                      </p:cBhvr>
+                                      <p:to>
+                                        <p:strVal val="visible"/>
+                                      </p:to>
+                                    </p:set>
+                                  </p:childTnLst>
+                                </p:cTn>
+                              </p:par>
+                              <p:par>
+                                <p:cTn id="17" presetID="1" presetClass="entr" presetSubtype="0" fill="hold" grpId="0" nodeType="withEffect">
+                                  <p:stCondLst>
+                                    <p:cond delay="0"/>
+                                  </p:stCondLst>
+                                  <p:childTnLst>
+                                    <p:set>
+                                      <p:cBhvr>
+                                        <p:cTn id="18" dur="1" fill="hold">
+                                          <p:stCondLst>
+                                            <p:cond delay="0"/>
+                                          </p:stCondLst>
+                                        </p:cTn>
+                                        <p:tgtEl>
+                                          <p:spTgt spid="4">
+                                            <p:txEl>
+                                              <p:pRg st="5" end="5"/>
+                                            </p:txEl>
+                                          </p:spTgt>
+                                        </p:tgtEl>
+                                        <p:attrNameLst>
+                                          <p:attrName>style.visibility</p:attrName>
+                                        </p:attrNameLst>
+                                      </p:cBhvr>
+                                      <p:to>
+                                        <p:strVal val="visible"/>
+                                      </p:to>
+                                    </p:set>
+                                  </p:childTnLst>
+                                </p:cTn>
+                              </p:par>
+                              <p:par>
+                                <p:cTn id="19" presetID="1" presetClass="entr" presetSubtype="0" fill="hold" grpId="0" nodeType="withEffect">
+                                  <p:stCondLst>
+                                    <p:cond delay="0"/>
+                                  </p:stCondLst>
+                                  <p:childTnLst>
+                                    <p:set>
+                                      <p:cBhvr>
+                                        <p:cTn id="20" dur="1" fill="hold">
+                                          <p:stCondLst>
+                                            <p:cond delay="0"/>
+                                          </p:stCondLst>
+                                        </p:cTn>
+                                        <p:tgtEl>
+                                          <p:spTgt spid="4">
+                                            <p:txEl>
+                                              <p:pRg st="6" end="6"/>
+                                            </p:txEl>
+                                          </p:spTgt>
+                                        </p:tgtEl>
+                                        <p:attrNameLst>
+                                          <p:attrName>style.visibility</p:attrName>
+                                        </p:attrNameLst>
+                                      </p:cBhvr>
+                                      <p:to>
+                                        <p:strVal val="visible"/>
+                                      </p:to>
+                                    </p:set>
+                                  </p:childTnLst>
+                                </p:cTn>
+                              </p:par>
+                            </p:childTnLst>
+                          </p:cTn>
+                        </p:par>
+                      </p:childTnLst>
+                    </p:cTn>
+                  </p:par>
+                </p:childTnLst>
+              </p:cTn>
+              <p:prevCondLst>
+                <p:cond evt="onPrev" delay="0">
+                  <p:tgtEl>
+                    <p:sldTgt/>
+                  </p:tgtEl>
+                </p:cond>
+              </p:prevCondLst>
+              <p:nextCondLst>
+                <p:cond evt="onNext" delay="0">
+                  <p:tgtEl>
+                    <p:sldTgt/>
+                  </p:tgtEl>
+                </p:cond>
+              </p:nextCondLst>
+            </p:seq>
+          </p:childTnLst>
+        </p:cTn>
       </p:par>
     </p:tnLst>
+    <p:bldLst>
+      <p:bldP spid="4" grpId="0" build="p"/>
+    </p:bldLst>
   </p:timing>
 </p:sld>
 </file>
 
-<file path=ppt/slides/slide3.xml><?xml version="1.0" encoding="utf-8"?>
+<file path=ppt/slides/slide11.xml><?xml version="1.0" encoding="utf-8"?>
 <p:sld xmlns:a="http://schemas.openxmlformats.org/drawingml/2006/main" xmlns:r="http://schemas.openxmlformats.org/officeDocument/2006/relationships" xmlns:p="http://schemas.openxmlformats.org/presentationml/2006/main">
   <p:cSld>
     <p:spTree>
@@ -5181,7 +5478,7 @@
           <a:p>
             <a:r>
               <a:rPr lang="pt-PT" dirty="0" smtClean="0"/>
-              <a:t>Agenda</a:t>
+              <a:t>NVelocity - Advanced </a:t>
             </a:r>
             <a:endParaRPr lang="pt-PT" dirty="0"/>
           </a:p>
@@ -5200,39 +5497,36 @@
         <p:spPr/>
         <p:txBody>
           <a:bodyPr>
-            <a:normAutofit/>
+            <a:noAutofit/>
           </a:bodyPr>
           <a:lstStyle/>
           <a:p>
             <a:r>
               <a:rPr lang="pt-PT" sz="3200" dirty="0" smtClean="0"/>
-              <a:t>Tópico 1</a:t>
+              <a:t>Formating issues</a:t>
             </a:r>
           </a:p>
           <a:p>
             <a:r>
               <a:rPr lang="pt-PT" sz="3200" dirty="0" smtClean="0"/>
-              <a:t>Tópico 2</a:t>
+              <a:t>Math</a:t>
             </a:r>
           </a:p>
           <a:p>
             <a:r>
               <a:rPr lang="pt-PT" sz="3200" dirty="0" smtClean="0"/>
-              <a:t>Tópico 3</a:t>
-            </a:r>
-          </a:p>
-          <a:p>
-            <a:r>
-              <a:rPr lang="pt-PT" sz="3200" dirty="0" smtClean="0"/>
-              <a:t>...</a:t>
-            </a:r>
+              <a:t>Literal and Escaping</a:t>
+            </a:r>
+          </a:p>
+          <a:p>
+            <a:endParaRPr lang="pt-PT" sz="3200" dirty="0" smtClean="0"/>
           </a:p>
         </p:txBody>
       </p:sp>
     </p:spTree>
     <p:extLst>
       <p:ext uri="{BB962C8B-B14F-4D97-AF65-F5344CB8AC3E}">
-        <p14:creationId xmlns:p14="http://schemas.microsoft.com/office/powerpoint/2007/7/12/main" xmlns="" val="242698022"/>
+        <p14:creationId xmlns="" xmlns:p14="http://schemas.microsoft.com/office/powerpoint/2007/7/12/main" val="564663352"/>
       </p:ext>
     </p:extLst>
   </p:cSld>
@@ -5242,14 +5536,187 @@
   <p:timing>
     <p:tnLst>
       <p:par>
-        <p:cTn id="1" dur="indefinite" restart="never" nodeType="tmRoot"/>
+        <p:cTn id="1" dur="indefinite" restart="never" nodeType="tmRoot">
+          <p:childTnLst>
+            <p:seq concurrent="1" nextAc="seek">
+              <p:cTn id="2" dur="indefinite" nodeType="mainSeq">
+                <p:childTnLst>
+                  <p:par>
+                    <p:cTn id="3" fill="hold">
+                      <p:stCondLst>
+                        <p:cond delay="indefinite"/>
+                      </p:stCondLst>
+                      <p:childTnLst>
+                        <p:par>
+                          <p:cTn id="4" fill="hold">
+                            <p:stCondLst>
+                              <p:cond delay="0"/>
+                            </p:stCondLst>
+                            <p:childTnLst>
+                              <p:par>
+                                <p:cTn id="5" presetID="1" presetClass="entr" presetSubtype="0" fill="hold" grpId="0" nodeType="clickEffect">
+                                  <p:stCondLst>
+                                    <p:cond delay="0"/>
+                                  </p:stCondLst>
+                                  <p:childTnLst>
+                                    <p:set>
+                                      <p:cBhvr>
+                                        <p:cTn id="6" dur="1" fill="hold">
+                                          <p:stCondLst>
+                                            <p:cond delay="0"/>
+                                          </p:stCondLst>
+                                        </p:cTn>
+                                        <p:tgtEl>
+                                          <p:spTgt spid="4">
+                                            <p:txEl>
+                                              <p:pRg st="0" end="0"/>
+                                            </p:txEl>
+                                          </p:spTgt>
+                                        </p:tgtEl>
+                                        <p:attrNameLst>
+                                          <p:attrName>style.visibility</p:attrName>
+                                        </p:attrNameLst>
+                                      </p:cBhvr>
+                                      <p:to>
+                                        <p:strVal val="visible"/>
+                                      </p:to>
+                                    </p:set>
+                                  </p:childTnLst>
+                                </p:cTn>
+                              </p:par>
+                            </p:childTnLst>
+                          </p:cTn>
+                        </p:par>
+                      </p:childTnLst>
+                    </p:cTn>
+                  </p:par>
+                  <p:par>
+                    <p:cTn id="7" fill="hold">
+                      <p:stCondLst>
+                        <p:cond delay="indefinite"/>
+                      </p:stCondLst>
+                      <p:childTnLst>
+                        <p:par>
+                          <p:cTn id="8" fill="hold">
+                            <p:stCondLst>
+                              <p:cond delay="0"/>
+                            </p:stCondLst>
+                            <p:childTnLst>
+                              <p:par>
+                                <p:cTn id="9" presetID="1" presetClass="entr" presetSubtype="0" fill="hold" grpId="0" nodeType="clickEffect">
+                                  <p:stCondLst>
+                                    <p:cond delay="0"/>
+                                  </p:stCondLst>
+                                  <p:childTnLst>
+                                    <p:set>
+                                      <p:cBhvr>
+                                        <p:cTn id="10" dur="1" fill="hold">
+                                          <p:stCondLst>
+                                            <p:cond delay="0"/>
+                                          </p:stCondLst>
+                                        </p:cTn>
+                                        <p:tgtEl>
+                                          <p:spTgt spid="4">
+                                            <p:txEl>
+                                              <p:pRg st="1" end="1"/>
+                                            </p:txEl>
+                                          </p:spTgt>
+                                        </p:tgtEl>
+                                        <p:attrNameLst>
+                                          <p:attrName>style.visibility</p:attrName>
+                                        </p:attrNameLst>
+                                      </p:cBhvr>
+                                      <p:to>
+                                        <p:strVal val="visible"/>
+                                      </p:to>
+                                    </p:set>
+                                  </p:childTnLst>
+                                </p:cTn>
+                              </p:par>
+                            </p:childTnLst>
+                          </p:cTn>
+                        </p:par>
+                      </p:childTnLst>
+                    </p:cTn>
+                  </p:par>
+                  <p:par>
+                    <p:cTn id="11" fill="hold">
+                      <p:stCondLst>
+                        <p:cond delay="indefinite"/>
+                      </p:stCondLst>
+                      <p:childTnLst>
+                        <p:par>
+                          <p:cTn id="12" fill="hold">
+                            <p:stCondLst>
+                              <p:cond delay="0"/>
+                            </p:stCondLst>
+                            <p:childTnLst>
+                              <p:par>
+                                <p:cTn id="13" presetID="1" presetClass="entr" presetSubtype="0" fill="hold" grpId="0" nodeType="clickEffect">
+                                  <p:stCondLst>
+                                    <p:cond delay="0"/>
+                                  </p:stCondLst>
+                                  <p:childTnLst>
+                                    <p:set>
+                                      <p:cBhvr>
+                                        <p:cTn id="14" dur="1" fill="hold">
+                                          <p:stCondLst>
+                                            <p:cond delay="0"/>
+                                          </p:stCondLst>
+                                        </p:cTn>
+                                        <p:tgtEl>
+                                          <p:spTgt spid="4">
+                                            <p:txEl>
+                                              <p:pRg st="2" end="2"/>
+                                            </p:txEl>
+                                          </p:spTgt>
+                                        </p:tgtEl>
+                                        <p:attrNameLst>
+                                          <p:attrName>style.visibility</p:attrName>
+                                        </p:attrNameLst>
+                                      </p:cBhvr>
+                                      <p:to>
+                                        <p:strVal val="visible"/>
+                                      </p:to>
+                                    </p:set>
+                                  </p:childTnLst>
+                                </p:cTn>
+                              </p:par>
+                            </p:childTnLst>
+                          </p:cTn>
+                        </p:par>
+                      </p:childTnLst>
+                    </p:cTn>
+                  </p:par>
+                </p:childTnLst>
+              </p:cTn>
+              <p:prevCondLst>
+                <p:cond evt="onPrev" delay="0">
+                  <p:tgtEl>
+                    <p:sldTgt/>
+                  </p:tgtEl>
+                </p:cond>
+              </p:prevCondLst>
+              <p:nextCondLst>
+                <p:cond evt="onNext" delay="0">
+                  <p:tgtEl>
+                    <p:sldTgt/>
+                  </p:tgtEl>
+                </p:cond>
+              </p:nextCondLst>
+            </p:seq>
+          </p:childTnLst>
+        </p:cTn>
       </p:par>
     </p:tnLst>
+    <p:bldLst>
+      <p:bldP spid="4" grpId="0" build="p"/>
+    </p:bldLst>
   </p:timing>
 </p:sld>
 </file>
 
-<file path=ppt/slides/slide4.xml><?xml version="1.0" encoding="utf-8"?>
+<file path=ppt/slides/slide12.xml><?xml version="1.0" encoding="utf-8"?>
 <p:sld xmlns:a="http://schemas.openxmlformats.org/drawingml/2006/main" xmlns:r="http://schemas.openxmlformats.org/officeDocument/2006/relationships" xmlns:p="http://schemas.openxmlformats.org/presentationml/2006/main">
   <p:cSld>
     <p:spTree>
@@ -5283,7 +5750,7 @@
           <a:p>
             <a:r>
               <a:rPr lang="pt-PT" dirty="0" smtClean="0"/>
-              <a:t>Problema</a:t>
+              <a:t>Padrões</a:t>
             </a:r>
             <a:endParaRPr lang="pt-PT" dirty="0"/>
           </a:p>
@@ -5313,7 +5780,7 @@
     </p:spTree>
     <p:extLst>
       <p:ext uri="{BB962C8B-B14F-4D97-AF65-F5344CB8AC3E}">
-        <p14:creationId xmlns:p14="http://schemas.microsoft.com/office/powerpoint/2007/7/12/main" xmlns="" val="564663352"/>
+        <p14:creationId xmlns="" xmlns:p14="http://schemas.microsoft.com/office/powerpoint/2007/7/12/main" val="564663352"/>
       </p:ext>
     </p:extLst>
   </p:cSld>
@@ -5410,7 +5877,7 @@
 </p:sld>
 </file>
 
-<file path=ppt/slides/slide5.xml><?xml version="1.0" encoding="utf-8"?>
+<file path=ppt/slides/slide13.xml><?xml version="1.0" encoding="utf-8"?>
 <p:sld xmlns:a="http://schemas.openxmlformats.org/drawingml/2006/main" xmlns:r="http://schemas.openxmlformats.org/officeDocument/2006/relationships" xmlns:p="http://schemas.openxmlformats.org/presentationml/2006/main">
   <p:cSld>
     <p:spTree>
@@ -5434,6 +5901,1436 @@
             <a:spLocks noGrp="1"/>
           </p:cNvSpPr>
           <p:nvPr>
+            <p:ph type="title"/>
+          </p:nvPr>
+        </p:nvSpPr>
+        <p:spPr/>
+        <p:txBody>
+          <a:bodyPr/>
+          <a:lstStyle/>
+          <a:p>
+            <a:r>
+              <a:rPr lang="pt-PT" dirty="0" smtClean="0"/>
+              <a:t>Padrões</a:t>
+            </a:r>
+            <a:endParaRPr lang="pt-PT" dirty="0"/>
+          </a:p>
+        </p:txBody>
+      </p:sp>
+      <p:sp>
+        <p:nvSpPr>
+          <p:cNvPr id="4" name="Content Placeholder 3"/>
+          <p:cNvSpPr>
+            <a:spLocks noGrp="1"/>
+          </p:cNvSpPr>
+          <p:nvPr>
+            <p:ph idx="1"/>
+          </p:nvPr>
+        </p:nvSpPr>
+        <p:spPr/>
+        <p:txBody>
+          <a:bodyPr>
+            <a:noAutofit/>
+          </a:bodyPr>
+          <a:lstStyle/>
+          <a:p>
+            <a:endParaRPr lang="pt-PT" sz="3200" dirty="0" smtClean="0"/>
+          </a:p>
+        </p:txBody>
+      </p:sp>
+    </p:spTree>
+    <p:extLst>
+      <p:ext uri="{BB962C8B-B14F-4D97-AF65-F5344CB8AC3E}">
+        <p14:creationId xmlns="" xmlns:p14="http://schemas.microsoft.com/office/powerpoint/2007/7/12/main" val="564663352"/>
+      </p:ext>
+    </p:extLst>
+  </p:cSld>
+  <p:clrMapOvr>
+    <a:masterClrMapping/>
+  </p:clrMapOvr>
+  <p:timing>
+    <p:tnLst>
+      <p:par>
+        <p:cTn id="1" dur="indefinite" restart="never" nodeType="tmRoot">
+          <p:childTnLst>
+            <p:seq concurrent="1" nextAc="seek">
+              <p:cTn id="2" dur="indefinite" nodeType="mainSeq">
+                <p:childTnLst>
+                  <p:par>
+                    <p:cTn id="3" fill="hold">
+                      <p:stCondLst>
+                        <p:cond delay="indefinite"/>
+                      </p:stCondLst>
+                      <p:childTnLst>
+                        <p:par>
+                          <p:cTn id="4" fill="hold">
+                            <p:stCondLst>
+                              <p:cond delay="0"/>
+                            </p:stCondLst>
+                            <p:childTnLst>
+                              <p:par>
+                                <p:cTn id="5" presetID="1" presetClass="entr" presetSubtype="0" fill="hold" grpId="0" nodeType="clickEffect" nodePh="1">
+                                  <p:stCondLst>
+                                    <p:cond delay="0"/>
+                                  </p:stCondLst>
+                                  <p:endCondLst>
+                                    <p:cond evt="begin" delay="0">
+                                      <p:tn val="5"/>
+                                    </p:cond>
+                                  </p:endCondLst>
+                                  <p:childTnLst>
+                                    <p:set>
+                                      <p:cBhvr>
+                                        <p:cTn id="6" dur="1" fill="hold">
+                                          <p:stCondLst>
+                                            <p:cond delay="0"/>
+                                          </p:stCondLst>
+                                        </p:cTn>
+                                        <p:tgtEl>
+                                          <p:spTgt spid="4">
+                                            <p:txEl>
+                                              <p:pRg st="0" end="0"/>
+                                            </p:txEl>
+                                          </p:spTgt>
+                                        </p:tgtEl>
+                                        <p:attrNameLst>
+                                          <p:attrName>style.visibility</p:attrName>
+                                        </p:attrNameLst>
+                                      </p:cBhvr>
+                                      <p:to>
+                                        <p:strVal val="visible"/>
+                                      </p:to>
+                                    </p:set>
+                                  </p:childTnLst>
+                                </p:cTn>
+                              </p:par>
+                            </p:childTnLst>
+                          </p:cTn>
+                        </p:par>
+                      </p:childTnLst>
+                    </p:cTn>
+                  </p:par>
+                </p:childTnLst>
+              </p:cTn>
+              <p:prevCondLst>
+                <p:cond evt="onPrev" delay="0">
+                  <p:tgtEl>
+                    <p:sldTgt/>
+                  </p:tgtEl>
+                </p:cond>
+              </p:prevCondLst>
+              <p:nextCondLst>
+                <p:cond evt="onNext" delay="0">
+                  <p:tgtEl>
+                    <p:sldTgt/>
+                  </p:tgtEl>
+                </p:cond>
+              </p:nextCondLst>
+            </p:seq>
+          </p:childTnLst>
+        </p:cTn>
+      </p:par>
+    </p:tnLst>
+    <p:bldLst>
+      <p:bldP spid="4" grpId="0" build="p"/>
+    </p:bldLst>
+  </p:timing>
+</p:sld>
+</file>
+
+<file path=ppt/slides/slide14.xml><?xml version="1.0" encoding="utf-8"?>
+<p:sld xmlns:a="http://schemas.openxmlformats.org/drawingml/2006/main" xmlns:r="http://schemas.openxmlformats.org/officeDocument/2006/relationships" xmlns:p="http://schemas.openxmlformats.org/presentationml/2006/main">
+  <p:cSld>
+    <p:spTree>
+      <p:nvGrpSpPr>
+        <p:cNvPr id="1" name=""/>
+        <p:cNvGrpSpPr/>
+        <p:nvPr/>
+      </p:nvGrpSpPr>
+      <p:grpSpPr>
+        <a:xfrm>
+          <a:off x="0" y="0"/>
+          <a:ext cx="0" cy="0"/>
+          <a:chOff x="0" y="0"/>
+          <a:chExt cx="0" cy="0"/>
+        </a:xfrm>
+      </p:grpSpPr>
+      <p:sp>
+        <p:nvSpPr>
+          <p:cNvPr id="2" name="Title 1"/>
+          <p:cNvSpPr>
+            <a:spLocks noGrp="1"/>
+          </p:cNvSpPr>
+          <p:nvPr>
+            <p:ph type="title"/>
+          </p:nvPr>
+        </p:nvSpPr>
+        <p:spPr/>
+        <p:txBody>
+          <a:bodyPr/>
+          <a:lstStyle/>
+          <a:p>
+            <a:r>
+              <a:rPr lang="pt-PT" dirty="0" smtClean="0"/>
+              <a:t>Padrões</a:t>
+            </a:r>
+            <a:endParaRPr lang="pt-PT" dirty="0"/>
+          </a:p>
+        </p:txBody>
+      </p:sp>
+      <p:sp>
+        <p:nvSpPr>
+          <p:cNvPr id="4" name="Content Placeholder 3"/>
+          <p:cNvSpPr>
+            <a:spLocks noGrp="1"/>
+          </p:cNvSpPr>
+          <p:nvPr>
+            <p:ph idx="1"/>
+          </p:nvPr>
+        </p:nvSpPr>
+        <p:spPr/>
+        <p:txBody>
+          <a:bodyPr>
+            <a:noAutofit/>
+          </a:bodyPr>
+          <a:lstStyle/>
+          <a:p>
+            <a:endParaRPr lang="pt-PT" sz="3200" dirty="0" smtClean="0"/>
+          </a:p>
+        </p:txBody>
+      </p:sp>
+    </p:spTree>
+    <p:extLst>
+      <p:ext uri="{BB962C8B-B14F-4D97-AF65-F5344CB8AC3E}">
+        <p14:creationId xmlns="" xmlns:p14="http://schemas.microsoft.com/office/powerpoint/2007/7/12/main" val="564663352"/>
+      </p:ext>
+    </p:extLst>
+  </p:cSld>
+  <p:clrMapOvr>
+    <a:masterClrMapping/>
+  </p:clrMapOvr>
+  <p:timing>
+    <p:tnLst>
+      <p:par>
+        <p:cTn id="1" dur="indefinite" restart="never" nodeType="tmRoot">
+          <p:childTnLst>
+            <p:seq concurrent="1" nextAc="seek">
+              <p:cTn id="2" dur="indefinite" nodeType="mainSeq">
+                <p:childTnLst>
+                  <p:par>
+                    <p:cTn id="3" fill="hold">
+                      <p:stCondLst>
+                        <p:cond delay="indefinite"/>
+                      </p:stCondLst>
+                      <p:childTnLst>
+                        <p:par>
+                          <p:cTn id="4" fill="hold">
+                            <p:stCondLst>
+                              <p:cond delay="0"/>
+                            </p:stCondLst>
+                            <p:childTnLst>
+                              <p:par>
+                                <p:cTn id="5" presetID="1" presetClass="entr" presetSubtype="0" fill="hold" grpId="0" nodeType="clickEffect" nodePh="1">
+                                  <p:stCondLst>
+                                    <p:cond delay="0"/>
+                                  </p:stCondLst>
+                                  <p:endCondLst>
+                                    <p:cond evt="begin" delay="0">
+                                      <p:tn val="5"/>
+                                    </p:cond>
+                                  </p:endCondLst>
+                                  <p:childTnLst>
+                                    <p:set>
+                                      <p:cBhvr>
+                                        <p:cTn id="6" dur="1" fill="hold">
+                                          <p:stCondLst>
+                                            <p:cond delay="0"/>
+                                          </p:stCondLst>
+                                        </p:cTn>
+                                        <p:tgtEl>
+                                          <p:spTgt spid="4">
+                                            <p:txEl>
+                                              <p:pRg st="0" end="0"/>
+                                            </p:txEl>
+                                          </p:spTgt>
+                                        </p:tgtEl>
+                                        <p:attrNameLst>
+                                          <p:attrName>style.visibility</p:attrName>
+                                        </p:attrNameLst>
+                                      </p:cBhvr>
+                                      <p:to>
+                                        <p:strVal val="visible"/>
+                                      </p:to>
+                                    </p:set>
+                                  </p:childTnLst>
+                                </p:cTn>
+                              </p:par>
+                            </p:childTnLst>
+                          </p:cTn>
+                        </p:par>
+                      </p:childTnLst>
+                    </p:cTn>
+                  </p:par>
+                </p:childTnLst>
+              </p:cTn>
+              <p:prevCondLst>
+                <p:cond evt="onPrev" delay="0">
+                  <p:tgtEl>
+                    <p:sldTgt/>
+                  </p:tgtEl>
+                </p:cond>
+              </p:prevCondLst>
+              <p:nextCondLst>
+                <p:cond evt="onNext" delay="0">
+                  <p:tgtEl>
+                    <p:sldTgt/>
+                  </p:tgtEl>
+                </p:cond>
+              </p:nextCondLst>
+            </p:seq>
+          </p:childTnLst>
+        </p:cTn>
+      </p:par>
+    </p:tnLst>
+    <p:bldLst>
+      <p:bldP spid="4" grpId="0" build="p"/>
+    </p:bldLst>
+  </p:timing>
+</p:sld>
+</file>
+
+<file path=ppt/slides/slide15.xml><?xml version="1.0" encoding="utf-8"?>
+<p:sld xmlns:a="http://schemas.openxmlformats.org/drawingml/2006/main" xmlns:r="http://schemas.openxmlformats.org/officeDocument/2006/relationships" xmlns:p="http://schemas.openxmlformats.org/presentationml/2006/main">
+  <p:cSld>
+    <p:spTree>
+      <p:nvGrpSpPr>
+        <p:cNvPr id="1" name=""/>
+        <p:cNvGrpSpPr/>
+        <p:nvPr/>
+      </p:nvGrpSpPr>
+      <p:grpSpPr>
+        <a:xfrm>
+          <a:off x="0" y="0"/>
+          <a:ext cx="0" cy="0"/>
+          <a:chOff x="0" y="0"/>
+          <a:chExt cx="0" cy="0"/>
+        </a:xfrm>
+      </p:grpSpPr>
+      <p:sp>
+        <p:nvSpPr>
+          <p:cNvPr id="2" name="Title 1"/>
+          <p:cNvSpPr>
+            <a:spLocks noGrp="1"/>
+          </p:cNvSpPr>
+          <p:nvPr>
+            <p:ph type="title"/>
+          </p:nvPr>
+        </p:nvSpPr>
+        <p:spPr/>
+        <p:txBody>
+          <a:bodyPr/>
+          <a:lstStyle/>
+          <a:p>
+            <a:r>
+              <a:rPr lang="pt-PT" dirty="0" smtClean="0"/>
+              <a:t>Padrões</a:t>
+            </a:r>
+            <a:endParaRPr lang="pt-PT" dirty="0"/>
+          </a:p>
+        </p:txBody>
+      </p:sp>
+      <p:sp>
+        <p:nvSpPr>
+          <p:cNvPr id="4" name="Content Placeholder 3"/>
+          <p:cNvSpPr>
+            <a:spLocks noGrp="1"/>
+          </p:cNvSpPr>
+          <p:nvPr>
+            <p:ph idx="1"/>
+          </p:nvPr>
+        </p:nvSpPr>
+        <p:spPr/>
+        <p:txBody>
+          <a:bodyPr>
+            <a:noAutofit/>
+          </a:bodyPr>
+          <a:lstStyle/>
+          <a:p>
+            <a:endParaRPr lang="pt-PT" sz="3200" dirty="0" smtClean="0"/>
+          </a:p>
+        </p:txBody>
+      </p:sp>
+    </p:spTree>
+    <p:extLst>
+      <p:ext uri="{BB962C8B-B14F-4D97-AF65-F5344CB8AC3E}">
+        <p14:creationId xmlns="" xmlns:p14="http://schemas.microsoft.com/office/powerpoint/2007/7/12/main" val="564663352"/>
+      </p:ext>
+    </p:extLst>
+  </p:cSld>
+  <p:clrMapOvr>
+    <a:masterClrMapping/>
+  </p:clrMapOvr>
+  <p:timing>
+    <p:tnLst>
+      <p:par>
+        <p:cTn id="1" dur="indefinite" restart="never" nodeType="tmRoot">
+          <p:childTnLst>
+            <p:seq concurrent="1" nextAc="seek">
+              <p:cTn id="2" dur="indefinite" nodeType="mainSeq">
+                <p:childTnLst>
+                  <p:par>
+                    <p:cTn id="3" fill="hold">
+                      <p:stCondLst>
+                        <p:cond delay="indefinite"/>
+                      </p:stCondLst>
+                      <p:childTnLst>
+                        <p:par>
+                          <p:cTn id="4" fill="hold">
+                            <p:stCondLst>
+                              <p:cond delay="0"/>
+                            </p:stCondLst>
+                            <p:childTnLst>
+                              <p:par>
+                                <p:cTn id="5" presetID="1" presetClass="entr" presetSubtype="0" fill="hold" grpId="0" nodeType="clickEffect" nodePh="1">
+                                  <p:stCondLst>
+                                    <p:cond delay="0"/>
+                                  </p:stCondLst>
+                                  <p:endCondLst>
+                                    <p:cond evt="begin" delay="0">
+                                      <p:tn val="5"/>
+                                    </p:cond>
+                                  </p:endCondLst>
+                                  <p:childTnLst>
+                                    <p:set>
+                                      <p:cBhvr>
+                                        <p:cTn id="6" dur="1" fill="hold">
+                                          <p:stCondLst>
+                                            <p:cond delay="0"/>
+                                          </p:stCondLst>
+                                        </p:cTn>
+                                        <p:tgtEl>
+                                          <p:spTgt spid="4">
+                                            <p:txEl>
+                                              <p:pRg st="0" end="0"/>
+                                            </p:txEl>
+                                          </p:spTgt>
+                                        </p:tgtEl>
+                                        <p:attrNameLst>
+                                          <p:attrName>style.visibility</p:attrName>
+                                        </p:attrNameLst>
+                                      </p:cBhvr>
+                                      <p:to>
+                                        <p:strVal val="visible"/>
+                                      </p:to>
+                                    </p:set>
+                                  </p:childTnLst>
+                                </p:cTn>
+                              </p:par>
+                            </p:childTnLst>
+                          </p:cTn>
+                        </p:par>
+                      </p:childTnLst>
+                    </p:cTn>
+                  </p:par>
+                </p:childTnLst>
+              </p:cTn>
+              <p:prevCondLst>
+                <p:cond evt="onPrev" delay="0">
+                  <p:tgtEl>
+                    <p:sldTgt/>
+                  </p:tgtEl>
+                </p:cond>
+              </p:prevCondLst>
+              <p:nextCondLst>
+                <p:cond evt="onNext" delay="0">
+                  <p:tgtEl>
+                    <p:sldTgt/>
+                  </p:tgtEl>
+                </p:cond>
+              </p:nextCondLst>
+            </p:seq>
+          </p:childTnLst>
+        </p:cTn>
+      </p:par>
+    </p:tnLst>
+    <p:bldLst>
+      <p:bldP spid="4" grpId="0" build="p"/>
+    </p:bldLst>
+  </p:timing>
+</p:sld>
+</file>
+
+<file path=ppt/slides/slide16.xml><?xml version="1.0" encoding="utf-8"?>
+<p:sld xmlns:a="http://schemas.openxmlformats.org/drawingml/2006/main" xmlns:r="http://schemas.openxmlformats.org/officeDocument/2006/relationships" xmlns:p="http://schemas.openxmlformats.org/presentationml/2006/main">
+  <p:cSld>
+    <p:spTree>
+      <p:nvGrpSpPr>
+        <p:cNvPr id="1" name=""/>
+        <p:cNvGrpSpPr/>
+        <p:nvPr/>
+      </p:nvGrpSpPr>
+      <p:grpSpPr>
+        <a:xfrm>
+          <a:off x="0" y="0"/>
+          <a:ext cx="0" cy="0"/>
+          <a:chOff x="0" y="0"/>
+          <a:chExt cx="0" cy="0"/>
+        </a:xfrm>
+      </p:grpSpPr>
+      <p:sp>
+        <p:nvSpPr>
+          <p:cNvPr id="2" name="Title 1"/>
+          <p:cNvSpPr>
+            <a:spLocks noGrp="1"/>
+          </p:cNvSpPr>
+          <p:nvPr>
+            <p:ph type="title"/>
+          </p:nvPr>
+        </p:nvSpPr>
+        <p:spPr/>
+        <p:txBody>
+          <a:bodyPr/>
+          <a:lstStyle/>
+          <a:p>
+            <a:r>
+              <a:rPr lang="pt-PT" dirty="0" smtClean="0"/>
+              <a:t>Padrões</a:t>
+            </a:r>
+            <a:endParaRPr lang="pt-PT" dirty="0"/>
+          </a:p>
+        </p:txBody>
+      </p:sp>
+      <p:sp>
+        <p:nvSpPr>
+          <p:cNvPr id="4" name="Content Placeholder 3"/>
+          <p:cNvSpPr>
+            <a:spLocks noGrp="1"/>
+          </p:cNvSpPr>
+          <p:nvPr>
+            <p:ph idx="1"/>
+          </p:nvPr>
+        </p:nvSpPr>
+        <p:spPr/>
+        <p:txBody>
+          <a:bodyPr>
+            <a:noAutofit/>
+          </a:bodyPr>
+          <a:lstStyle/>
+          <a:p>
+            <a:endParaRPr lang="pt-PT" sz="3200" dirty="0" smtClean="0"/>
+          </a:p>
+        </p:txBody>
+      </p:sp>
+    </p:spTree>
+    <p:extLst>
+      <p:ext uri="{BB962C8B-B14F-4D97-AF65-F5344CB8AC3E}">
+        <p14:creationId xmlns="" xmlns:p14="http://schemas.microsoft.com/office/powerpoint/2007/7/12/main" val="564663352"/>
+      </p:ext>
+    </p:extLst>
+  </p:cSld>
+  <p:clrMapOvr>
+    <a:masterClrMapping/>
+  </p:clrMapOvr>
+  <p:timing>
+    <p:tnLst>
+      <p:par>
+        <p:cTn id="1" dur="indefinite" restart="never" nodeType="tmRoot">
+          <p:childTnLst>
+            <p:seq concurrent="1" nextAc="seek">
+              <p:cTn id="2" dur="indefinite" nodeType="mainSeq">
+                <p:childTnLst>
+                  <p:par>
+                    <p:cTn id="3" fill="hold">
+                      <p:stCondLst>
+                        <p:cond delay="indefinite"/>
+                      </p:stCondLst>
+                      <p:childTnLst>
+                        <p:par>
+                          <p:cTn id="4" fill="hold">
+                            <p:stCondLst>
+                              <p:cond delay="0"/>
+                            </p:stCondLst>
+                            <p:childTnLst>
+                              <p:par>
+                                <p:cTn id="5" presetID="1" presetClass="entr" presetSubtype="0" fill="hold" grpId="0" nodeType="clickEffect" nodePh="1">
+                                  <p:stCondLst>
+                                    <p:cond delay="0"/>
+                                  </p:stCondLst>
+                                  <p:endCondLst>
+                                    <p:cond evt="begin" delay="0">
+                                      <p:tn val="5"/>
+                                    </p:cond>
+                                  </p:endCondLst>
+                                  <p:childTnLst>
+                                    <p:set>
+                                      <p:cBhvr>
+                                        <p:cTn id="6" dur="1" fill="hold">
+                                          <p:stCondLst>
+                                            <p:cond delay="0"/>
+                                          </p:stCondLst>
+                                        </p:cTn>
+                                        <p:tgtEl>
+                                          <p:spTgt spid="4">
+                                            <p:txEl>
+                                              <p:pRg st="0" end="0"/>
+                                            </p:txEl>
+                                          </p:spTgt>
+                                        </p:tgtEl>
+                                        <p:attrNameLst>
+                                          <p:attrName>style.visibility</p:attrName>
+                                        </p:attrNameLst>
+                                      </p:cBhvr>
+                                      <p:to>
+                                        <p:strVal val="visible"/>
+                                      </p:to>
+                                    </p:set>
+                                  </p:childTnLst>
+                                </p:cTn>
+                              </p:par>
+                            </p:childTnLst>
+                          </p:cTn>
+                        </p:par>
+                      </p:childTnLst>
+                    </p:cTn>
+                  </p:par>
+                </p:childTnLst>
+              </p:cTn>
+              <p:prevCondLst>
+                <p:cond evt="onPrev" delay="0">
+                  <p:tgtEl>
+                    <p:sldTgt/>
+                  </p:tgtEl>
+                </p:cond>
+              </p:prevCondLst>
+              <p:nextCondLst>
+                <p:cond evt="onNext" delay="0">
+                  <p:tgtEl>
+                    <p:sldTgt/>
+                  </p:tgtEl>
+                </p:cond>
+              </p:nextCondLst>
+            </p:seq>
+          </p:childTnLst>
+        </p:cTn>
+      </p:par>
+    </p:tnLst>
+    <p:bldLst>
+      <p:bldP spid="4" grpId="0" build="p"/>
+    </p:bldLst>
+  </p:timing>
+</p:sld>
+</file>
+
+<file path=ppt/slides/slide17.xml><?xml version="1.0" encoding="utf-8"?>
+<p:sld xmlns:a="http://schemas.openxmlformats.org/drawingml/2006/main" xmlns:r="http://schemas.openxmlformats.org/officeDocument/2006/relationships" xmlns:p="http://schemas.openxmlformats.org/presentationml/2006/main">
+  <p:cSld>
+    <p:spTree>
+      <p:nvGrpSpPr>
+        <p:cNvPr id="1" name=""/>
+        <p:cNvGrpSpPr/>
+        <p:nvPr/>
+      </p:nvGrpSpPr>
+      <p:grpSpPr>
+        <a:xfrm>
+          <a:off x="0" y="0"/>
+          <a:ext cx="0" cy="0"/>
+          <a:chOff x="0" y="0"/>
+          <a:chExt cx="0" cy="0"/>
+        </a:xfrm>
+      </p:grpSpPr>
+      <p:sp>
+        <p:nvSpPr>
+          <p:cNvPr id="2" name="Title 1"/>
+          <p:cNvSpPr>
+            <a:spLocks noGrp="1"/>
+          </p:cNvSpPr>
+          <p:nvPr>
+            <p:ph type="title"/>
+          </p:nvPr>
+        </p:nvSpPr>
+        <p:spPr/>
+        <p:txBody>
+          <a:bodyPr/>
+          <a:lstStyle/>
+          <a:p>
+            <a:r>
+              <a:rPr lang="pt-PT" dirty="0" smtClean="0"/>
+              <a:t>Padrões</a:t>
+            </a:r>
+            <a:endParaRPr lang="pt-PT" dirty="0"/>
+          </a:p>
+        </p:txBody>
+      </p:sp>
+      <p:sp>
+        <p:nvSpPr>
+          <p:cNvPr id="4" name="Content Placeholder 3"/>
+          <p:cNvSpPr>
+            <a:spLocks noGrp="1"/>
+          </p:cNvSpPr>
+          <p:nvPr>
+            <p:ph idx="1"/>
+          </p:nvPr>
+        </p:nvSpPr>
+        <p:spPr/>
+        <p:txBody>
+          <a:bodyPr>
+            <a:noAutofit/>
+          </a:bodyPr>
+          <a:lstStyle/>
+          <a:p>
+            <a:endParaRPr lang="pt-PT" sz="3200" dirty="0" smtClean="0"/>
+          </a:p>
+        </p:txBody>
+      </p:sp>
+    </p:spTree>
+    <p:extLst>
+      <p:ext uri="{BB962C8B-B14F-4D97-AF65-F5344CB8AC3E}">
+        <p14:creationId xmlns="" xmlns:p14="http://schemas.microsoft.com/office/powerpoint/2007/7/12/main" val="564663352"/>
+      </p:ext>
+    </p:extLst>
+  </p:cSld>
+  <p:clrMapOvr>
+    <a:masterClrMapping/>
+  </p:clrMapOvr>
+  <p:timing>
+    <p:tnLst>
+      <p:par>
+        <p:cTn id="1" dur="indefinite" restart="never" nodeType="tmRoot">
+          <p:childTnLst>
+            <p:seq concurrent="1" nextAc="seek">
+              <p:cTn id="2" dur="indefinite" nodeType="mainSeq">
+                <p:childTnLst>
+                  <p:par>
+                    <p:cTn id="3" fill="hold">
+                      <p:stCondLst>
+                        <p:cond delay="indefinite"/>
+                      </p:stCondLst>
+                      <p:childTnLst>
+                        <p:par>
+                          <p:cTn id="4" fill="hold">
+                            <p:stCondLst>
+                              <p:cond delay="0"/>
+                            </p:stCondLst>
+                            <p:childTnLst>
+                              <p:par>
+                                <p:cTn id="5" presetID="1" presetClass="entr" presetSubtype="0" fill="hold" grpId="0" nodeType="clickEffect" nodePh="1">
+                                  <p:stCondLst>
+                                    <p:cond delay="0"/>
+                                  </p:stCondLst>
+                                  <p:endCondLst>
+                                    <p:cond evt="begin" delay="0">
+                                      <p:tn val="5"/>
+                                    </p:cond>
+                                  </p:endCondLst>
+                                  <p:childTnLst>
+                                    <p:set>
+                                      <p:cBhvr>
+                                        <p:cTn id="6" dur="1" fill="hold">
+                                          <p:stCondLst>
+                                            <p:cond delay="0"/>
+                                          </p:stCondLst>
+                                        </p:cTn>
+                                        <p:tgtEl>
+                                          <p:spTgt spid="4">
+                                            <p:txEl>
+                                              <p:pRg st="0" end="0"/>
+                                            </p:txEl>
+                                          </p:spTgt>
+                                        </p:tgtEl>
+                                        <p:attrNameLst>
+                                          <p:attrName>style.visibility</p:attrName>
+                                        </p:attrNameLst>
+                                      </p:cBhvr>
+                                      <p:to>
+                                        <p:strVal val="visible"/>
+                                      </p:to>
+                                    </p:set>
+                                  </p:childTnLst>
+                                </p:cTn>
+                              </p:par>
+                            </p:childTnLst>
+                          </p:cTn>
+                        </p:par>
+                      </p:childTnLst>
+                    </p:cTn>
+                  </p:par>
+                </p:childTnLst>
+              </p:cTn>
+              <p:prevCondLst>
+                <p:cond evt="onPrev" delay="0">
+                  <p:tgtEl>
+                    <p:sldTgt/>
+                  </p:tgtEl>
+                </p:cond>
+              </p:prevCondLst>
+              <p:nextCondLst>
+                <p:cond evt="onNext" delay="0">
+                  <p:tgtEl>
+                    <p:sldTgt/>
+                  </p:tgtEl>
+                </p:cond>
+              </p:nextCondLst>
+            </p:seq>
+          </p:childTnLst>
+        </p:cTn>
+      </p:par>
+    </p:tnLst>
+    <p:bldLst>
+      <p:bldP spid="4" grpId="0" build="p"/>
+    </p:bldLst>
+  </p:timing>
+</p:sld>
+</file>
+
+<file path=ppt/slides/slide18.xml><?xml version="1.0" encoding="utf-8"?>
+<p:sld xmlns:a="http://schemas.openxmlformats.org/drawingml/2006/main" xmlns:r="http://schemas.openxmlformats.org/officeDocument/2006/relationships" xmlns:p="http://schemas.openxmlformats.org/presentationml/2006/main">
+  <p:cSld>
+    <p:spTree>
+      <p:nvGrpSpPr>
+        <p:cNvPr id="1" name=""/>
+        <p:cNvGrpSpPr/>
+        <p:nvPr/>
+      </p:nvGrpSpPr>
+      <p:grpSpPr>
+        <a:xfrm>
+          <a:off x="0" y="0"/>
+          <a:ext cx="0" cy="0"/>
+          <a:chOff x="0" y="0"/>
+          <a:chExt cx="0" cy="0"/>
+        </a:xfrm>
+      </p:grpSpPr>
+      <p:sp>
+        <p:nvSpPr>
+          <p:cNvPr id="2" name="Title 1"/>
+          <p:cNvSpPr>
+            <a:spLocks noGrp="1"/>
+          </p:cNvSpPr>
+          <p:nvPr>
+            <p:ph type="title"/>
+          </p:nvPr>
+        </p:nvSpPr>
+        <p:spPr/>
+        <p:txBody>
+          <a:bodyPr/>
+          <a:lstStyle/>
+          <a:p>
+            <a:r>
+              <a:rPr lang="pt-PT" dirty="0" smtClean="0"/>
+              <a:t>Padrões</a:t>
+            </a:r>
+            <a:endParaRPr lang="pt-PT" dirty="0"/>
+          </a:p>
+        </p:txBody>
+      </p:sp>
+      <p:sp>
+        <p:nvSpPr>
+          <p:cNvPr id="4" name="Content Placeholder 3"/>
+          <p:cNvSpPr>
+            <a:spLocks noGrp="1"/>
+          </p:cNvSpPr>
+          <p:nvPr>
+            <p:ph idx="1"/>
+          </p:nvPr>
+        </p:nvSpPr>
+        <p:spPr/>
+        <p:txBody>
+          <a:bodyPr>
+            <a:noAutofit/>
+          </a:bodyPr>
+          <a:lstStyle/>
+          <a:p>
+            <a:endParaRPr lang="pt-PT" sz="3200" dirty="0" smtClean="0"/>
+          </a:p>
+        </p:txBody>
+      </p:sp>
+    </p:spTree>
+    <p:extLst>
+      <p:ext uri="{BB962C8B-B14F-4D97-AF65-F5344CB8AC3E}">
+        <p14:creationId xmlns="" xmlns:p14="http://schemas.microsoft.com/office/powerpoint/2007/7/12/main" val="564663352"/>
+      </p:ext>
+    </p:extLst>
+  </p:cSld>
+  <p:clrMapOvr>
+    <a:masterClrMapping/>
+  </p:clrMapOvr>
+  <p:timing>
+    <p:tnLst>
+      <p:par>
+        <p:cTn id="1" dur="indefinite" restart="never" nodeType="tmRoot">
+          <p:childTnLst>
+            <p:seq concurrent="1" nextAc="seek">
+              <p:cTn id="2" dur="indefinite" nodeType="mainSeq">
+                <p:childTnLst>
+                  <p:par>
+                    <p:cTn id="3" fill="hold">
+                      <p:stCondLst>
+                        <p:cond delay="indefinite"/>
+                      </p:stCondLst>
+                      <p:childTnLst>
+                        <p:par>
+                          <p:cTn id="4" fill="hold">
+                            <p:stCondLst>
+                              <p:cond delay="0"/>
+                            </p:stCondLst>
+                            <p:childTnLst>
+                              <p:par>
+                                <p:cTn id="5" presetID="1" presetClass="entr" presetSubtype="0" fill="hold" grpId="0" nodeType="clickEffect" nodePh="1">
+                                  <p:stCondLst>
+                                    <p:cond delay="0"/>
+                                  </p:stCondLst>
+                                  <p:endCondLst>
+                                    <p:cond evt="begin" delay="0">
+                                      <p:tn val="5"/>
+                                    </p:cond>
+                                  </p:endCondLst>
+                                  <p:childTnLst>
+                                    <p:set>
+                                      <p:cBhvr>
+                                        <p:cTn id="6" dur="1" fill="hold">
+                                          <p:stCondLst>
+                                            <p:cond delay="0"/>
+                                          </p:stCondLst>
+                                        </p:cTn>
+                                        <p:tgtEl>
+                                          <p:spTgt spid="4">
+                                            <p:txEl>
+                                              <p:pRg st="0" end="0"/>
+                                            </p:txEl>
+                                          </p:spTgt>
+                                        </p:tgtEl>
+                                        <p:attrNameLst>
+                                          <p:attrName>style.visibility</p:attrName>
+                                        </p:attrNameLst>
+                                      </p:cBhvr>
+                                      <p:to>
+                                        <p:strVal val="visible"/>
+                                      </p:to>
+                                    </p:set>
+                                  </p:childTnLst>
+                                </p:cTn>
+                              </p:par>
+                            </p:childTnLst>
+                          </p:cTn>
+                        </p:par>
+                      </p:childTnLst>
+                    </p:cTn>
+                  </p:par>
+                </p:childTnLst>
+              </p:cTn>
+              <p:prevCondLst>
+                <p:cond evt="onPrev" delay="0">
+                  <p:tgtEl>
+                    <p:sldTgt/>
+                  </p:tgtEl>
+                </p:cond>
+              </p:prevCondLst>
+              <p:nextCondLst>
+                <p:cond evt="onNext" delay="0">
+                  <p:tgtEl>
+                    <p:sldTgt/>
+                  </p:tgtEl>
+                </p:cond>
+              </p:nextCondLst>
+            </p:seq>
+          </p:childTnLst>
+        </p:cTn>
+      </p:par>
+    </p:tnLst>
+    <p:bldLst>
+      <p:bldP spid="4" grpId="0" build="p"/>
+    </p:bldLst>
+  </p:timing>
+</p:sld>
+</file>
+
+<file path=ppt/slides/slide19.xml><?xml version="1.0" encoding="utf-8"?>
+<p:sld xmlns:a="http://schemas.openxmlformats.org/drawingml/2006/main" xmlns:r="http://schemas.openxmlformats.org/officeDocument/2006/relationships" xmlns:p="http://schemas.openxmlformats.org/presentationml/2006/main">
+  <p:cSld>
+    <p:spTree>
+      <p:nvGrpSpPr>
+        <p:cNvPr id="1" name=""/>
+        <p:cNvGrpSpPr/>
+        <p:nvPr/>
+      </p:nvGrpSpPr>
+      <p:grpSpPr>
+        <a:xfrm>
+          <a:off x="0" y="0"/>
+          <a:ext cx="0" cy="0"/>
+          <a:chOff x="0" y="0"/>
+          <a:chExt cx="0" cy="0"/>
+        </a:xfrm>
+      </p:grpSpPr>
+      <p:sp>
+        <p:nvSpPr>
+          <p:cNvPr id="2" name="Title 1"/>
+          <p:cNvSpPr>
+            <a:spLocks noGrp="1"/>
+          </p:cNvSpPr>
+          <p:nvPr>
+            <p:ph type="title"/>
+          </p:nvPr>
+        </p:nvSpPr>
+        <p:spPr/>
+        <p:txBody>
+          <a:bodyPr/>
+          <a:lstStyle/>
+          <a:p>
+            <a:r>
+              <a:rPr lang="pt-PT" dirty="0" smtClean="0"/>
+              <a:t>Padrões</a:t>
+            </a:r>
+            <a:endParaRPr lang="pt-PT" dirty="0"/>
+          </a:p>
+        </p:txBody>
+      </p:sp>
+      <p:sp>
+        <p:nvSpPr>
+          <p:cNvPr id="4" name="Content Placeholder 3"/>
+          <p:cNvSpPr>
+            <a:spLocks noGrp="1"/>
+          </p:cNvSpPr>
+          <p:nvPr>
+            <p:ph idx="1"/>
+          </p:nvPr>
+        </p:nvSpPr>
+        <p:spPr/>
+        <p:txBody>
+          <a:bodyPr>
+            <a:noAutofit/>
+          </a:bodyPr>
+          <a:lstStyle/>
+          <a:p>
+            <a:endParaRPr lang="pt-PT" sz="3200" dirty="0" smtClean="0"/>
+          </a:p>
+        </p:txBody>
+      </p:sp>
+    </p:spTree>
+    <p:extLst>
+      <p:ext uri="{BB962C8B-B14F-4D97-AF65-F5344CB8AC3E}">
+        <p14:creationId xmlns="" xmlns:p14="http://schemas.microsoft.com/office/powerpoint/2007/7/12/main" val="564663352"/>
+      </p:ext>
+    </p:extLst>
+  </p:cSld>
+  <p:clrMapOvr>
+    <a:masterClrMapping/>
+  </p:clrMapOvr>
+  <p:timing>
+    <p:tnLst>
+      <p:par>
+        <p:cTn id="1" dur="indefinite" restart="never" nodeType="tmRoot">
+          <p:childTnLst>
+            <p:seq concurrent="1" nextAc="seek">
+              <p:cTn id="2" dur="indefinite" nodeType="mainSeq">
+                <p:childTnLst>
+                  <p:par>
+                    <p:cTn id="3" fill="hold">
+                      <p:stCondLst>
+                        <p:cond delay="indefinite"/>
+                      </p:stCondLst>
+                      <p:childTnLst>
+                        <p:par>
+                          <p:cTn id="4" fill="hold">
+                            <p:stCondLst>
+                              <p:cond delay="0"/>
+                            </p:stCondLst>
+                            <p:childTnLst>
+                              <p:par>
+                                <p:cTn id="5" presetID="1" presetClass="entr" presetSubtype="0" fill="hold" grpId="0" nodeType="clickEffect" nodePh="1">
+                                  <p:stCondLst>
+                                    <p:cond delay="0"/>
+                                  </p:stCondLst>
+                                  <p:endCondLst>
+                                    <p:cond evt="begin" delay="0">
+                                      <p:tn val="5"/>
+                                    </p:cond>
+                                  </p:endCondLst>
+                                  <p:childTnLst>
+                                    <p:set>
+                                      <p:cBhvr>
+                                        <p:cTn id="6" dur="1" fill="hold">
+                                          <p:stCondLst>
+                                            <p:cond delay="0"/>
+                                          </p:stCondLst>
+                                        </p:cTn>
+                                        <p:tgtEl>
+                                          <p:spTgt spid="4">
+                                            <p:txEl>
+                                              <p:pRg st="0" end="0"/>
+                                            </p:txEl>
+                                          </p:spTgt>
+                                        </p:tgtEl>
+                                        <p:attrNameLst>
+                                          <p:attrName>style.visibility</p:attrName>
+                                        </p:attrNameLst>
+                                      </p:cBhvr>
+                                      <p:to>
+                                        <p:strVal val="visible"/>
+                                      </p:to>
+                                    </p:set>
+                                  </p:childTnLst>
+                                </p:cTn>
+                              </p:par>
+                            </p:childTnLst>
+                          </p:cTn>
+                        </p:par>
+                      </p:childTnLst>
+                    </p:cTn>
+                  </p:par>
+                </p:childTnLst>
+              </p:cTn>
+              <p:prevCondLst>
+                <p:cond evt="onPrev" delay="0">
+                  <p:tgtEl>
+                    <p:sldTgt/>
+                  </p:tgtEl>
+                </p:cond>
+              </p:prevCondLst>
+              <p:nextCondLst>
+                <p:cond evt="onNext" delay="0">
+                  <p:tgtEl>
+                    <p:sldTgt/>
+                  </p:tgtEl>
+                </p:cond>
+              </p:nextCondLst>
+            </p:seq>
+          </p:childTnLst>
+        </p:cTn>
+      </p:par>
+    </p:tnLst>
+    <p:bldLst>
+      <p:bldP spid="4" grpId="0" build="p"/>
+    </p:bldLst>
+  </p:timing>
+</p:sld>
+</file>
+
+<file path=ppt/slides/slide2.xml><?xml version="1.0" encoding="utf-8"?>
+<p:sld xmlns:a="http://schemas.openxmlformats.org/drawingml/2006/main" xmlns:r="http://schemas.openxmlformats.org/officeDocument/2006/relationships" xmlns:p="http://schemas.openxmlformats.org/presentationml/2006/main">
+  <p:cSld>
+    <p:spTree>
+      <p:nvGrpSpPr>
+        <p:cNvPr id="1" name=""/>
+        <p:cNvGrpSpPr/>
+        <p:nvPr/>
+      </p:nvGrpSpPr>
+      <p:grpSpPr>
+        <a:xfrm>
+          <a:off x="0" y="0"/>
+          <a:ext cx="0" cy="0"/>
+          <a:chOff x="0" y="0"/>
+          <a:chExt cx="0" cy="0"/>
+        </a:xfrm>
+      </p:grpSpPr>
+      <p:sp>
+        <p:nvSpPr>
+          <p:cNvPr id="6" name="Title 1"/>
+          <p:cNvSpPr>
+            <a:spLocks noGrp="1"/>
+          </p:cNvSpPr>
+          <p:nvPr>
+            <p:ph type="title"/>
+          </p:nvPr>
+        </p:nvSpPr>
+        <p:spPr>
+          <a:xfrm>
+            <a:off x="495300" y="274638"/>
+            <a:ext cx="8915400" cy="1143000"/>
+          </a:xfrm>
+          <a:effectLst/>
+        </p:spPr>
+        <p:txBody>
+          <a:bodyPr/>
+          <a:lstStyle/>
+          <a:p>
+            <a:r>
+              <a:rPr lang="pt-PT" dirty="0" smtClean="0"/>
+              <a:t>Licença</a:t>
+            </a:r>
+            <a:endParaRPr lang="pt-PT" dirty="0"/>
+          </a:p>
+        </p:txBody>
+      </p:sp>
+      <p:sp>
+        <p:nvSpPr>
+          <p:cNvPr id="7" name="Content Placeholder 2"/>
+          <p:cNvSpPr>
+            <a:spLocks noGrp="1"/>
+          </p:cNvSpPr>
+          <p:nvPr>
+            <p:ph idx="1"/>
+          </p:nvPr>
+        </p:nvSpPr>
+        <p:spPr>
+          <a:xfrm>
+            <a:off x="495300" y="1600201"/>
+            <a:ext cx="8915400" cy="4817131"/>
+          </a:xfrm>
+        </p:spPr>
+        <p:txBody>
+          <a:bodyPr>
+            <a:noAutofit/>
+          </a:bodyPr>
+          <a:lstStyle/>
+          <a:p>
+            <a:pPr marL="0" indent="0">
+              <a:buNone/>
+            </a:pPr>
+            <a:r>
+              <a:rPr lang="pt-PT" sz="2800" b="1" u="sng" dirty="0" smtClean="0">
+                <a:solidFill>
+                  <a:srgbClr val="008000"/>
+                </a:solidFill>
+              </a:rPr>
+              <a:t>Attribution 3.0 </a:t>
+            </a:r>
+            <a:r>
+              <a:rPr lang="pt-PT" sz="2800" b="1" u="sng" dirty="0" smtClean="0">
+                <a:solidFill>
+                  <a:srgbClr val="008000"/>
+                </a:solidFill>
+              </a:rPr>
+              <a:t>Unported</a:t>
+            </a:r>
+          </a:p>
+          <a:p>
+            <a:pPr>
+              <a:buNone/>
+            </a:pPr>
+            <a:r>
+              <a:rPr lang="en-US" sz="2800" b="1" dirty="0" smtClean="0">
+                <a:solidFill>
+                  <a:schemeClr val="accent3">
+                    <a:lumMod val="50000"/>
+                  </a:schemeClr>
+                </a:solidFill>
+              </a:rPr>
+              <a:t>You are free:</a:t>
+            </a:r>
+          </a:p>
+          <a:p>
+            <a:r>
+              <a:rPr lang="en-US" sz="2600" b="1" dirty="0" smtClean="0"/>
+              <a:t>to Share</a:t>
+            </a:r>
+            <a:r>
+              <a:rPr lang="en-US" sz="2600" dirty="0" smtClean="0"/>
+              <a:t> </a:t>
+            </a:r>
+            <a:r>
+              <a:rPr lang="en-US" sz="2600" dirty="0" smtClean="0"/>
+              <a:t>-</a:t>
+            </a:r>
+            <a:r>
+              <a:rPr lang="en-US" sz="2800" dirty="0" smtClean="0"/>
+              <a:t> </a:t>
+            </a:r>
+            <a:r>
+              <a:rPr lang="en-US" sz="2400" dirty="0" smtClean="0"/>
+              <a:t>to copy, distribute and transmit the work</a:t>
+            </a:r>
+          </a:p>
+          <a:p>
+            <a:r>
+              <a:rPr lang="en-US" sz="2600" b="1" dirty="0" smtClean="0"/>
+              <a:t>to Remix</a:t>
+            </a:r>
+            <a:r>
+              <a:rPr lang="en-US" sz="2600" dirty="0" smtClean="0"/>
+              <a:t> </a:t>
+            </a:r>
+            <a:r>
+              <a:rPr lang="en-US" sz="2600" dirty="0" smtClean="0"/>
+              <a:t>-</a:t>
+            </a:r>
+            <a:r>
+              <a:rPr lang="en-US" sz="2800" dirty="0" smtClean="0"/>
+              <a:t> </a:t>
+            </a:r>
+            <a:r>
+              <a:rPr lang="en-US" sz="2400" dirty="0" smtClean="0"/>
+              <a:t>to adapt the </a:t>
+            </a:r>
+            <a:r>
+              <a:rPr lang="en-US" sz="2400" dirty="0" smtClean="0"/>
+              <a:t>work to </a:t>
+            </a:r>
+            <a:r>
+              <a:rPr lang="en-US" sz="2400" dirty="0" smtClean="0"/>
+              <a:t>make commercial use of the </a:t>
+            </a:r>
+            <a:r>
+              <a:rPr lang="en-US" sz="2400" dirty="0" smtClean="0"/>
+              <a:t>work</a:t>
+            </a:r>
+          </a:p>
+          <a:p>
+            <a:endParaRPr lang="en-US" sz="2400" dirty="0" smtClean="0"/>
+          </a:p>
+          <a:p>
+            <a:pPr>
+              <a:buNone/>
+            </a:pPr>
+            <a:r>
+              <a:rPr lang="pt-PT" sz="2800" b="1" dirty="0" smtClean="0">
+                <a:solidFill>
+                  <a:schemeClr val="accent3">
+                    <a:lumMod val="50000"/>
+                  </a:schemeClr>
+                </a:solidFill>
+              </a:rPr>
+              <a:t>Under the following conditions:</a:t>
+            </a:r>
+          </a:p>
+          <a:p>
+            <a:pPr>
+              <a:buNone/>
+            </a:pPr>
+            <a:r>
+              <a:rPr lang="en-US" sz="2400" b="1" dirty="0" smtClean="0"/>
+              <a:t>Attribution</a:t>
+            </a:r>
+            <a:r>
+              <a:rPr lang="en-US" sz="2400" dirty="0" smtClean="0"/>
+              <a:t> — You must attribute the work in the manner specified </a:t>
+            </a:r>
+            <a:r>
+              <a:rPr lang="en-US" sz="2400" dirty="0" smtClean="0"/>
+              <a:t>by the </a:t>
+            </a:r>
+            <a:r>
+              <a:rPr lang="en-US" sz="2400" dirty="0" smtClean="0"/>
+              <a:t>author or licensor (but not in any way that suggests that they endorse you or your use of </a:t>
+            </a:r>
+            <a:r>
+              <a:rPr lang="en-US" sz="2400" dirty="0" smtClean="0"/>
+              <a:t>the work)</a:t>
+            </a:r>
+            <a:endParaRPr lang="en-US" sz="2400" dirty="0" smtClean="0"/>
+          </a:p>
+          <a:p>
+            <a:pPr marL="0" indent="0">
+              <a:buNone/>
+            </a:pPr>
+            <a:endParaRPr lang="pt-PT" sz="1200" dirty="0" smtClean="0"/>
+          </a:p>
+          <a:p>
+            <a:pPr marL="0" indent="0">
+              <a:buNone/>
+            </a:pPr>
+            <a:r>
+              <a:rPr lang="pt-PT" sz="1200" dirty="0" smtClean="0"/>
+              <a:t>Source: </a:t>
+            </a:r>
+            <a:r>
+              <a:rPr lang="pt-PT" sz="1200" dirty="0" smtClean="0">
+                <a:hlinkClick r:id="rId2"/>
+              </a:rPr>
+              <a:t>http://creativecommons.org/licenses/by/3.0/</a:t>
+            </a:r>
+            <a:endParaRPr lang="pt-PT" sz="1200" dirty="0" smtClean="0"/>
+          </a:p>
+        </p:txBody>
+      </p:sp>
+      <p:pic>
+        <p:nvPicPr>
+          <p:cNvPr id="4" name="Picture 3" descr="seal.png"/>
+          <p:cNvPicPr>
+            <a:picLocks noChangeAspect="1"/>
+          </p:cNvPicPr>
+          <p:nvPr/>
+        </p:nvPicPr>
+        <p:blipFill>
+          <a:blip r:embed="rId3" cstate="print"/>
+          <a:stretch>
+            <a:fillRect/>
+          </a:stretch>
+        </p:blipFill>
+        <p:spPr>
+          <a:xfrm>
+            <a:off x="7833320" y="2060848"/>
+            <a:ext cx="1209675" cy="1209675"/>
+          </a:xfrm>
+          <a:prstGeom prst="rect">
+            <a:avLst/>
+          </a:prstGeom>
+        </p:spPr>
+      </p:pic>
+      <p:pic>
+        <p:nvPicPr>
+          <p:cNvPr id="5" name="Picture 4" descr="88x31.png"/>
+          <p:cNvPicPr>
+            <a:picLocks noChangeAspect="1"/>
+          </p:cNvPicPr>
+          <p:nvPr/>
+        </p:nvPicPr>
+        <p:blipFill>
+          <a:blip r:embed="rId4" cstate="print"/>
+          <a:stretch>
+            <a:fillRect/>
+          </a:stretch>
+        </p:blipFill>
+        <p:spPr>
+          <a:xfrm>
+            <a:off x="4376936" y="1664804"/>
+            <a:ext cx="1117460" cy="393651"/>
+          </a:xfrm>
+          <a:prstGeom prst="rect">
+            <a:avLst/>
+          </a:prstGeom>
+        </p:spPr>
+      </p:pic>
+    </p:spTree>
+    <p:extLst>
+      <p:ext uri="{BB962C8B-B14F-4D97-AF65-F5344CB8AC3E}">
+        <p14:creationId xmlns:p14="http://schemas.microsoft.com/office/powerpoint/2007/7/12/main" xmlns="" val="1875469109"/>
+      </p:ext>
+    </p:extLst>
+  </p:cSld>
+  <p:clrMapOvr>
+    <a:masterClrMapping/>
+  </p:clrMapOvr>
+  <mc:AlternateContent xmlns:mc="http://schemas.openxmlformats.org/markup-compatibility/2006">
+    <mc:Choice xmlns:p14="http://schemas.microsoft.com/office/powerpoint/2007/7/12/main" xmlns="" Requires="p14">
+      <p:transition spd="slow" p14:dur="2000"/>
+    </mc:Choice>
+    <mc:Fallback>
+      <p:transition spd="slow"/>
+    </mc:Fallback>
+  </mc:AlternateContent>
+  <p:timing>
+    <p:tnLst>
+      <p:par>
+        <p:cTn id="1" dur="indefinite" restart="never" nodeType="tmRoot"/>
+      </p:par>
+    </p:tnLst>
+  </p:timing>
+</p:sld>
+</file>
+
+<file path=ppt/slides/slide20.xml><?xml version="1.0" encoding="utf-8"?>
+<p:sld xmlns:a="http://schemas.openxmlformats.org/drawingml/2006/main" xmlns:r="http://schemas.openxmlformats.org/officeDocument/2006/relationships" xmlns:p="http://schemas.openxmlformats.org/presentationml/2006/main">
+  <p:cSld>
+    <p:spTree>
+      <p:nvGrpSpPr>
+        <p:cNvPr id="1" name=""/>
+        <p:cNvGrpSpPr/>
+        <p:nvPr/>
+      </p:nvGrpSpPr>
+      <p:grpSpPr>
+        <a:xfrm>
+          <a:off x="0" y="0"/>
+          <a:ext cx="0" cy="0"/>
+          <a:chOff x="0" y="0"/>
+          <a:chExt cx="0" cy="0"/>
+        </a:xfrm>
+      </p:grpSpPr>
+      <p:sp>
+        <p:nvSpPr>
+          <p:cNvPr id="2" name="Title 1"/>
+          <p:cNvSpPr>
+            <a:spLocks noGrp="1"/>
+          </p:cNvSpPr>
+          <p:nvPr>
             <p:ph type="ctrTitle"/>
           </p:nvPr>
         </p:nvSpPr>
@@ -5557,7 +7454,7 @@
     </p:spTree>
     <p:extLst>
       <p:ext uri="{BB962C8B-B14F-4D97-AF65-F5344CB8AC3E}">
-        <p14:creationId xmlns:p14="http://schemas.microsoft.com/office/powerpoint/2007/7/12/main" xmlns="" val="967988230"/>
+        <p14:creationId xmlns="" xmlns:p14="http://schemas.microsoft.com/office/powerpoint/2007/7/12/main" val="967988230"/>
       </p:ext>
     </p:extLst>
   </p:cSld>
@@ -5565,7 +7462,7 @@
     <a:masterClrMapping/>
   </p:clrMapOvr>
   <mc:AlternateContent xmlns:mc="http://schemas.openxmlformats.org/markup-compatibility/2006">
-    <mc:Choice xmlns:p14="http://schemas.microsoft.com/office/powerpoint/2007/7/12/main" xmlns="" Requires="p14">
+    <mc:Choice xmlns="" xmlns:p14="http://schemas.microsoft.com/office/powerpoint/2007/7/12/main" Requires="p14">
       <p:transition p14:dur="0"/>
     </mc:Choice>
     <mc:Fallback>
@@ -5582,7 +7479,7 @@
 </p:sld>
 </file>
 
-<file path=ppt/slides/slide6.xml><?xml version="1.0" encoding="utf-8"?>
+<file path=ppt/slides/slide21.xml><?xml version="1.0" encoding="utf-8"?>
 <p:sld xmlns:a="http://schemas.openxmlformats.org/drawingml/2006/main" xmlns:r="http://schemas.openxmlformats.org/officeDocument/2006/relationships" xmlns:p="http://schemas.openxmlformats.org/presentationml/2006/main">
   <p:cSld>
     <p:spTree>
@@ -5621,7 +7518,7 @@
     </p:spTree>
     <p:extLst>
       <p:ext uri="{BB962C8B-B14F-4D97-AF65-F5344CB8AC3E}">
-        <p14:creationId xmlns:p14="http://schemas.microsoft.com/office/powerpoint/2007/7/12/main" xmlns="" val="1125168898"/>
+        <p14:creationId xmlns="" xmlns:p14="http://schemas.microsoft.com/office/powerpoint/2007/7/12/main" val="1125168898"/>
       </p:ext>
     </p:extLst>
   </p:cSld>
@@ -5638,7 +7535,7 @@
 </p:sld>
 </file>
 
-<file path=ppt/slides/slide7.xml><?xml version="1.0" encoding="utf-8"?>
+<file path=ppt/slides/slide22.xml><?xml version="1.0" encoding="utf-8"?>
 <p:sld xmlns:a="http://schemas.openxmlformats.org/drawingml/2006/main" xmlns:r="http://schemas.openxmlformats.org/officeDocument/2006/relationships" xmlns:p="http://schemas.openxmlformats.org/presentationml/2006/main">
   <p:cSld>
     <p:spTree>
@@ -5734,11 +7631,7 @@
             </a:pPr>
             <a:r>
               <a:rPr lang="pt-PT" sz="2400" dirty="0" smtClean="0"/>
-              <a:t>Apache </a:t>
-            </a:r>
-            <a:r>
-              <a:rPr lang="pt-PT" sz="2400" dirty="0" smtClean="0"/>
-              <a:t>Developer Guide  </a:t>
+              <a:t>Apache Developer Guide  </a:t>
             </a:r>
             <a:r>
               <a:rPr lang="pt-PT" sz="1200" dirty="0" smtClean="0"/>
@@ -5774,11 +7667,7 @@
             </a:pPr>
             <a:r>
               <a:rPr lang="pt-PT" sz="2400" dirty="0" smtClean="0"/>
-              <a:t>Apache User Guide</a:t>
-            </a:r>
-            <a:r>
-              <a:rPr lang="pt-PT" sz="2400" dirty="0" smtClean="0"/>
-              <a:t>  </a:t>
+              <a:t>Apache User Guide  </a:t>
             </a:r>
             <a:r>
               <a:rPr lang="pt-PT" sz="1200" dirty="0" smtClean="0"/>
@@ -5815,11 +7704,7 @@
             </a:pPr>
             <a:r>
               <a:rPr lang="pt-PT" sz="2400" dirty="0" smtClean="0"/>
-              <a:t>Castle </a:t>
-            </a:r>
-            <a:r>
-              <a:rPr lang="pt-PT" sz="2400" dirty="0" smtClean="0"/>
-              <a:t>Project Nvelocity </a:t>
+              <a:t>Castle Project Nvelocity </a:t>
             </a:r>
             <a:r>
               <a:rPr lang="pt-PT" sz="1800" dirty="0" smtClean="0"/>
@@ -5846,7 +7731,7 @@
     </p:spTree>
     <p:extLst>
       <p:ext uri="{BB962C8B-B14F-4D97-AF65-F5344CB8AC3E}">
-        <p14:creationId xmlns:p14="http://schemas.microsoft.com/office/powerpoint/2007/7/12/main" xmlns="" val="237563067"/>
+        <p14:creationId xmlns="" xmlns:p14="http://schemas.microsoft.com/office/powerpoint/2007/7/12/main" val="237563067"/>
       </p:ext>
     </p:extLst>
   </p:cSld>
@@ -5863,7 +7748,7 @@
 </p:sld>
 </file>
 
-<file path=ppt/slides/slide8.xml><?xml version="1.0" encoding="utf-8"?>
+<file path=ppt/slides/slide23.xml><?xml version="1.0" encoding="utf-8"?>
 <p:sld xmlns:a="http://schemas.openxmlformats.org/drawingml/2006/main" xmlns:r="http://schemas.openxmlformats.org/officeDocument/2006/relationships" xmlns:p="http://schemas.openxmlformats.org/presentationml/2006/main">
   <p:cSld>
     <p:spTree>
@@ -5921,7 +7806,7 @@
           </a:prstGeom>
           <a:extLst>
             <a:ext uri="{909E8E84-426E-40dd-AFC4-6F175D3DCCD1}">
-              <a14:hiddenFill xmlns:a14="http://schemas.microsoft.com/office/drawing/2007/7/7/main" xmlns="">
+              <a14:hiddenFill xmlns="" xmlns:a14="http://schemas.microsoft.com/office/drawing/2007/7/7/main">
                 <a:solidFill>
                   <a:srgbClr xmlns:mc="http://schemas.openxmlformats.org/markup-compatibility/2006" val="FFFFFF" mc:Ignorable=""/>
                 </a:solidFill>
@@ -5959,7 +7844,7 @@
           </a:prstGeom>
           <a:extLst>
             <a:ext uri="{909E8E84-426E-40dd-AFC4-6F175D3DCCD1}">
-              <a14:hiddenFill xmlns:a14="http://schemas.microsoft.com/office/drawing/2007/7/7/main" xmlns="">
+              <a14:hiddenFill xmlns="" xmlns:a14="http://schemas.microsoft.com/office/drawing/2007/7/7/main">
                 <a:solidFill>
                   <a:srgbClr xmlns:mc="http://schemas.openxmlformats.org/markup-compatibility/2006" val="FFFFFF" mc:Ignorable=""/>
                 </a:solidFill>
@@ -5997,7 +7882,7 @@
           </a:prstGeom>
           <a:extLst>
             <a:ext uri="{909E8E84-426E-40dd-AFC4-6F175D3DCCD1}">
-              <a14:hiddenFill xmlns:a14="http://schemas.microsoft.com/office/drawing/2007/7/7/main" xmlns="">
+              <a14:hiddenFill xmlns="" xmlns:a14="http://schemas.microsoft.com/office/drawing/2007/7/7/main">
                 <a:solidFill>
                   <a:srgbClr xmlns:mc="http://schemas.openxmlformats.org/markup-compatibility/2006" val="FFFFFF" mc:Ignorable=""/>
                 </a:solidFill>
@@ -6052,7 +7937,7 @@
     </p:spTree>
     <p:extLst>
       <p:ext uri="{BB962C8B-B14F-4D97-AF65-F5344CB8AC3E}">
-        <p14:creationId xmlns:p14="http://schemas.microsoft.com/office/powerpoint/2007/7/12/main" xmlns="" val="3704673230"/>
+        <p14:creationId xmlns="" xmlns:p14="http://schemas.microsoft.com/office/powerpoint/2007/7/12/main" val="3704673230"/>
       </p:ext>
     </p:extLst>
   </p:cSld>
@@ -6069,7 +7954,7 @@
 </p:sld>
 </file>
 
-<file path=ppt/slides/slide9.xml><?xml version="1.0" encoding="utf-8"?>
+<file path=ppt/slides/slide24.xml><?xml version="1.0" encoding="utf-8"?>
 <p:sld xmlns:a="http://schemas.openxmlformats.org/drawingml/2006/main" xmlns:r="http://schemas.openxmlformats.org/officeDocument/2006/relationships" xmlns:p="http://schemas.openxmlformats.org/presentationml/2006/main">
   <p:cSld>
     <p:spTree>
@@ -6164,9 +8049,7 @@
             <a:avLst/>
           </a:prstGeom>
           <a:ln>
-            <a:solidFill>
-              <a:schemeClr val="tx1"/>
-            </a:solidFill>
+            <a:noFill/>
           </a:ln>
         </p:spPr>
       </p:pic>
@@ -6193,9 +8076,7 @@
             <a:avLst/>
           </a:prstGeom>
           <a:ln>
-            <a:solidFill>
-              <a:schemeClr val="tx1"/>
-            </a:solidFill>
+            <a:noFill/>
           </a:ln>
         </p:spPr>
       </p:pic>
@@ -6222,9 +8103,7 @@
             <a:avLst/>
           </a:prstGeom>
           <a:ln>
-            <a:solidFill>
-              <a:schemeClr val="tx1"/>
-            </a:solidFill>
+            <a:noFill/>
           </a:ln>
         </p:spPr>
       </p:pic>
@@ -6251,9 +8130,7 @@
             <a:avLst/>
           </a:prstGeom>
           <a:ln>
-            <a:solidFill>
-              <a:schemeClr val="tx1"/>
-            </a:solidFill>
+            <a:noFill/>
           </a:ln>
         </p:spPr>
       </p:pic>
@@ -6313,13 +8190,7 @@
               <a:rPr lang="pt-PT" sz="1000" dirty="0" smtClean="0">
                 <a:hlinkClick r:id="rId7"/>
               </a:rPr>
-              <a:t>http://</a:t>
-            </a:r>
-            <a:r>
-              <a:rPr lang="pt-PT" sz="1000" dirty="0" smtClean="0">
-                <a:hlinkClick r:id="rId7"/>
-              </a:rPr>
-              <a:t>www.iconarchive.com/show/social-media-icons-by-iconshock.html</a:t>
+              <a:t>http://www.iconarchive.com/show/social-media-icons-by-iconshock.html</a:t>
             </a:r>
             <a:endParaRPr lang="en-US" sz="1000" dirty="0" smtClean="0"/>
           </a:p>
@@ -6489,7 +8360,7 @@
             </a:pPr>
             <a:r>
               <a:rPr lang="pt-PT" sz="2800" dirty="0" smtClean="0"/>
-              <a:t>https://www.facebook.com/nuno.cancelo</a:t>
+              <a:t>www.facebook.com/nuno.cancelo</a:t>
             </a:r>
             <a:endParaRPr kumimoji="0" lang="pt-PT" sz="2800" b="0" i="0" u="none" strike="noStrike" kern="1200" cap="none" spc="0" normalizeH="0" baseline="0" noProof="0" dirty="0" smtClean="0">
               <a:ln>
@@ -6538,7 +8409,7 @@
             </a:pPr>
             <a:r>
               <a:rPr lang="pt-PT" sz="2800" dirty="0" smtClean="0"/>
-              <a:t>http://www.linkedin.com/in/nunocancelo</a:t>
+              <a:t>www.linkedin.com/in/nunocancelo</a:t>
             </a:r>
             <a:endParaRPr kumimoji="0" lang="pt-PT" sz="2800" b="0" i="0" u="none" strike="noStrike" kern="1200" cap="none" spc="0" normalizeH="0" baseline="0" noProof="0" dirty="0" smtClean="0">
               <a:ln>
@@ -6560,13 +8431,1660 @@
     </p:spTree>
     <p:extLst>
       <p:ext uri="{BB962C8B-B14F-4D97-AF65-F5344CB8AC3E}">
-        <p14:creationId xmlns:p14="http://schemas.microsoft.com/office/powerpoint/2007/7/12/main" xmlns="" val="2914442395"/>
+        <p14:creationId xmlns="" xmlns:p14="http://schemas.microsoft.com/office/powerpoint/2007/7/12/main" val="2914442395"/>
       </p:ext>
     </p:extLst>
   </p:cSld>
   <p:clrMapOvr>
     <a:masterClrMapping/>
   </p:clrMapOvr>
+  <p:timing>
+    <p:tnLst>
+      <p:par>
+        <p:cTn id="1" dur="indefinite" restart="never" nodeType="tmRoot"/>
+      </p:par>
+    </p:tnLst>
+  </p:timing>
+</p:sld>
+</file>
+
+<file path=ppt/slides/slide3.xml><?xml version="1.0" encoding="utf-8"?>
+<p:sld xmlns:a="http://schemas.openxmlformats.org/drawingml/2006/main" xmlns:r="http://schemas.openxmlformats.org/officeDocument/2006/relationships" xmlns:p="http://schemas.openxmlformats.org/presentationml/2006/main">
+  <p:cSld>
+    <p:spTree>
+      <p:nvGrpSpPr>
+        <p:cNvPr id="1" name=""/>
+        <p:cNvGrpSpPr/>
+        <p:nvPr/>
+      </p:nvGrpSpPr>
+      <p:grpSpPr>
+        <a:xfrm>
+          <a:off x="0" y="0"/>
+          <a:ext cx="0" cy="0"/>
+          <a:chOff x="0" y="0"/>
+          <a:chExt cx="0" cy="0"/>
+        </a:xfrm>
+      </p:grpSpPr>
+      <p:sp>
+        <p:nvSpPr>
+          <p:cNvPr id="6" name="Title 1"/>
+          <p:cNvSpPr>
+            <a:spLocks noGrp="1"/>
+          </p:cNvSpPr>
+          <p:nvPr>
+            <p:ph type="title"/>
+          </p:nvPr>
+        </p:nvSpPr>
+        <p:spPr>
+          <a:xfrm>
+            <a:off x="2871564" y="548680"/>
+            <a:ext cx="4817740" cy="972108"/>
+          </a:xfrm>
+          <a:effectLst/>
+        </p:spPr>
+        <p:txBody>
+          <a:bodyPr>
+            <a:normAutofit/>
+          </a:bodyPr>
+          <a:lstStyle/>
+          <a:p>
+            <a:pPr algn="just"/>
+            <a:r>
+              <a:rPr lang="pt-PT" dirty="0" smtClean="0"/>
+              <a:t>Nuno Cancelo</a:t>
+            </a:r>
+            <a:endParaRPr lang="pt-PT" dirty="0"/>
+          </a:p>
+        </p:txBody>
+      </p:sp>
+      <p:sp>
+        <p:nvSpPr>
+          <p:cNvPr id="7" name="Content Placeholder 2"/>
+          <p:cNvSpPr>
+            <a:spLocks noGrp="1"/>
+          </p:cNvSpPr>
+          <p:nvPr>
+            <p:ph idx="1"/>
+          </p:nvPr>
+        </p:nvSpPr>
+        <p:spPr>
+          <a:xfrm>
+            <a:off x="704528" y="2492896"/>
+            <a:ext cx="8424936" cy="2980927"/>
+          </a:xfrm>
+        </p:spPr>
+        <p:txBody>
+          <a:bodyPr>
+            <a:noAutofit/>
+          </a:bodyPr>
+          <a:lstStyle/>
+          <a:p>
+            <a:pPr marL="0" indent="0">
+              <a:lnSpc>
+                <a:spcPct val="200000"/>
+              </a:lnSpc>
+            </a:pPr>
+            <a:r>
+              <a:rPr lang="pt-PT" sz="2600" dirty="0" smtClean="0"/>
+              <a:t> Licenciado em Eng. Informática e de Computadores (ISEL)</a:t>
+            </a:r>
+          </a:p>
+          <a:p>
+            <a:pPr marL="0" indent="0">
+              <a:lnSpc>
+                <a:spcPct val="200000"/>
+              </a:lnSpc>
+            </a:pPr>
+            <a:r>
+              <a:rPr lang="pt-PT" sz="2800" dirty="0" smtClean="0"/>
+              <a:t> </a:t>
+            </a:r>
+            <a:r>
+              <a:rPr lang="pt-PT" sz="2600" dirty="0" smtClean="0"/>
+              <a:t>Tirar o mestrado em Eng. Informática (ISCTE)</a:t>
+            </a:r>
+          </a:p>
+          <a:p>
+            <a:pPr marL="0" indent="0">
+              <a:lnSpc>
+                <a:spcPct val="200000"/>
+              </a:lnSpc>
+            </a:pPr>
+            <a:r>
+              <a:rPr lang="pt-PT" sz="2800" dirty="0" smtClean="0"/>
+              <a:t> </a:t>
+            </a:r>
+            <a:r>
+              <a:rPr lang="pt-PT" sz="2600" dirty="0" smtClean="0"/>
+              <a:t>Technical Consultant @ CGI </a:t>
+            </a:r>
+          </a:p>
+          <a:p>
+            <a:pPr marL="0" indent="0"/>
+            <a:endParaRPr lang="pt-PT" sz="2800" dirty="0" smtClean="0"/>
+          </a:p>
+          <a:p>
+            <a:pPr marL="0" indent="0"/>
+            <a:endParaRPr lang="pt-PT" sz="2800" dirty="0" smtClean="0"/>
+          </a:p>
+        </p:txBody>
+      </p:sp>
+      <p:pic>
+        <p:nvPicPr>
+          <p:cNvPr id="4" name="Picture 3" descr="DENNIS-THE-MENACE-1.gif"/>
+          <p:cNvPicPr>
+            <a:picLocks noChangeAspect="1"/>
+          </p:cNvPicPr>
+          <p:nvPr/>
+        </p:nvPicPr>
+        <p:blipFill>
+          <a:blip r:embed="rId2" cstate="print"/>
+          <a:stretch>
+            <a:fillRect/>
+          </a:stretch>
+        </p:blipFill>
+        <p:spPr>
+          <a:xfrm>
+            <a:off x="632520" y="548680"/>
+            <a:ext cx="1905000" cy="1905000"/>
+          </a:xfrm>
+          <a:prstGeom prst="rect">
+            <a:avLst/>
+          </a:prstGeom>
+        </p:spPr>
+      </p:pic>
+      <p:pic>
+        <p:nvPicPr>
+          <p:cNvPr id="5" name="Picture 4" descr="Nuno_Cancelo.jpg"/>
+          <p:cNvPicPr>
+            <a:picLocks noChangeAspect="1"/>
+          </p:cNvPicPr>
+          <p:nvPr/>
+        </p:nvPicPr>
+        <p:blipFill>
+          <a:blip r:embed="rId3" cstate="print"/>
+          <a:stretch>
+            <a:fillRect/>
+          </a:stretch>
+        </p:blipFill>
+        <p:spPr>
+          <a:xfrm>
+            <a:off x="7689304" y="4149080"/>
+            <a:ext cx="1463040" cy="1901952"/>
+          </a:xfrm>
+          <a:prstGeom prst="rect">
+            <a:avLst/>
+          </a:prstGeom>
+        </p:spPr>
+      </p:pic>
+      <p:sp>
+        <p:nvSpPr>
+          <p:cNvPr id="8" name="Title 1"/>
+          <p:cNvSpPr txBox="1">
+            <a:spLocks/>
+          </p:cNvSpPr>
+          <p:nvPr/>
+        </p:nvSpPr>
+        <p:spPr>
+          <a:xfrm>
+            <a:off x="2864768" y="1304764"/>
+            <a:ext cx="5393804" cy="566936"/>
+          </a:xfrm>
+          <a:prstGeom prst="rect">
+            <a:avLst/>
+          </a:prstGeom>
+          <a:effectLst/>
+        </p:spPr>
+        <p:txBody>
+          <a:bodyPr vert="horz" lIns="91440" tIns="45720" rIns="91440" bIns="45720" rtlCol="0" anchor="ctr">
+            <a:normAutofit lnSpcReduction="10000"/>
+          </a:bodyPr>
+          <a:lstStyle/>
+          <a:p>
+            <a:pPr marL="0" marR="0" lvl="0" indent="0" defTabSz="914400" rtl="0" eaLnBrk="1" fontAlgn="auto" latinLnBrk="0" hangingPunct="1">
+              <a:lnSpc>
+                <a:spcPct val="100000"/>
+              </a:lnSpc>
+              <a:spcBef>
+                <a:spcPct val="0"/>
+              </a:spcBef>
+              <a:spcAft>
+                <a:spcPts val="0"/>
+              </a:spcAft>
+              <a:buClrTx/>
+              <a:buSzTx/>
+              <a:buFontTx/>
+              <a:buNone/>
+              <a:tabLst/>
+              <a:defRPr/>
+            </a:pPr>
+            <a:r>
+              <a:rPr kumimoji="0" lang="pt-PT" sz="3200" b="1" i="0" u="none" strike="noStrike" kern="1200" cap="none" spc="0" normalizeH="0" baseline="0" noProof="0" dirty="0" smtClean="0">
+                <a:ln>
+                  <a:noFill/>
+                </a:ln>
+                <a:solidFill>
+                  <a:schemeClr val="tx1"/>
+                </a:solidFill>
+                <a:effectLst/>
+                <a:uLnTx/>
+                <a:uFillTx/>
+                <a:latin typeface="+mj-lt"/>
+                <a:ea typeface="+mj-ea"/>
+                <a:cs typeface="+mj-cs"/>
+              </a:rPr>
+              <a:t>Computer</a:t>
+            </a:r>
+            <a:r>
+              <a:rPr kumimoji="0" lang="pt-PT" sz="3200" b="1" i="0" u="none" strike="noStrike" kern="1200" cap="none" spc="0" normalizeH="0" noProof="0" dirty="0" smtClean="0">
+                <a:ln>
+                  <a:noFill/>
+                </a:ln>
+                <a:solidFill>
+                  <a:schemeClr val="tx1"/>
+                </a:solidFill>
+                <a:effectLst/>
+                <a:uLnTx/>
+                <a:uFillTx/>
+                <a:latin typeface="+mj-lt"/>
+                <a:ea typeface="+mj-ea"/>
+                <a:cs typeface="+mj-cs"/>
+              </a:rPr>
+              <a:t> Science Engineer</a:t>
+            </a:r>
+            <a:endParaRPr kumimoji="0" lang="pt-PT" sz="3200" b="1" i="0" u="none" strike="noStrike" kern="1200" cap="none" spc="0" normalizeH="0" baseline="0" noProof="0" dirty="0">
+              <a:ln>
+                <a:noFill/>
+              </a:ln>
+              <a:solidFill>
+                <a:schemeClr val="tx1"/>
+              </a:solidFill>
+              <a:effectLst/>
+              <a:uLnTx/>
+              <a:uFillTx/>
+              <a:latin typeface="+mj-lt"/>
+              <a:ea typeface="+mj-ea"/>
+              <a:cs typeface="+mj-cs"/>
+            </a:endParaRPr>
+          </a:p>
+        </p:txBody>
+      </p:sp>
+    </p:spTree>
+    <p:extLst>
+      <p:ext uri="{BB962C8B-B14F-4D97-AF65-F5344CB8AC3E}">
+        <p14:creationId xmlns="" xmlns:p14="http://schemas.microsoft.com/office/powerpoint/2007/7/12/main" val="1875469109"/>
+      </p:ext>
+    </p:extLst>
+  </p:cSld>
+  <p:clrMapOvr>
+    <a:masterClrMapping/>
+  </p:clrMapOvr>
+  <mc:AlternateContent xmlns:mc="http://schemas.openxmlformats.org/markup-compatibility/2006">
+    <mc:Choice xmlns="" xmlns:p14="http://schemas.microsoft.com/office/powerpoint/2007/7/12/main" Requires="p14">
+      <p:transition spd="slow" p14:dur="2000"/>
+    </mc:Choice>
+    <mc:Fallback>
+      <p:transition spd="slow"/>
+    </mc:Fallback>
+  </mc:AlternateContent>
+  <p:timing>
+    <p:tnLst>
+      <p:par>
+        <p:cTn id="1" dur="indefinite" restart="never" nodeType="tmRoot"/>
+      </p:par>
+    </p:tnLst>
+  </p:timing>
+</p:sld>
+</file>
+
+<file path=ppt/slides/slide4.xml><?xml version="1.0" encoding="utf-8"?>
+<p:sld xmlns:a="http://schemas.openxmlformats.org/drawingml/2006/main" xmlns:r="http://schemas.openxmlformats.org/officeDocument/2006/relationships" xmlns:p="http://schemas.openxmlformats.org/presentationml/2006/main">
+  <p:cSld>
+    <p:spTree>
+      <p:nvGrpSpPr>
+        <p:cNvPr id="1" name=""/>
+        <p:cNvGrpSpPr/>
+        <p:nvPr/>
+      </p:nvGrpSpPr>
+      <p:grpSpPr>
+        <a:xfrm>
+          <a:off x="0" y="0"/>
+          <a:ext cx="0" cy="0"/>
+          <a:chOff x="0" y="0"/>
+          <a:chExt cx="0" cy="0"/>
+        </a:xfrm>
+      </p:grpSpPr>
+      <p:sp>
+        <p:nvSpPr>
+          <p:cNvPr id="2" name="Title 1"/>
+          <p:cNvSpPr>
+            <a:spLocks noGrp="1"/>
+          </p:cNvSpPr>
+          <p:nvPr>
+            <p:ph type="title"/>
+          </p:nvPr>
+        </p:nvSpPr>
+        <p:spPr/>
+        <p:txBody>
+          <a:bodyPr/>
+          <a:lstStyle/>
+          <a:p>
+            <a:r>
+              <a:rPr lang="pt-PT" dirty="0" smtClean="0"/>
+              <a:t>Agenda</a:t>
+            </a:r>
+            <a:endParaRPr lang="pt-PT" dirty="0"/>
+          </a:p>
+        </p:txBody>
+      </p:sp>
+      <p:sp>
+        <p:nvSpPr>
+          <p:cNvPr id="4" name="Content Placeholder 3"/>
+          <p:cNvSpPr>
+            <a:spLocks noGrp="1"/>
+          </p:cNvSpPr>
+          <p:nvPr>
+            <p:ph idx="1"/>
+          </p:nvPr>
+        </p:nvSpPr>
+        <p:spPr/>
+        <p:txBody>
+          <a:bodyPr>
+            <a:normAutofit/>
+          </a:bodyPr>
+          <a:lstStyle/>
+          <a:p>
+            <a:r>
+              <a:rPr lang="pt-PT" sz="3200" dirty="0" smtClean="0"/>
+              <a:t>Tópico 1</a:t>
+            </a:r>
+          </a:p>
+          <a:p>
+            <a:r>
+              <a:rPr lang="pt-PT" sz="3200" dirty="0" smtClean="0"/>
+              <a:t>Tópico 2</a:t>
+            </a:r>
+          </a:p>
+          <a:p>
+            <a:r>
+              <a:rPr lang="pt-PT" sz="3200" dirty="0" smtClean="0"/>
+              <a:t>Tópico 3</a:t>
+            </a:r>
+          </a:p>
+          <a:p>
+            <a:r>
+              <a:rPr lang="pt-PT" sz="3200" dirty="0" smtClean="0"/>
+              <a:t>...</a:t>
+            </a:r>
+          </a:p>
+        </p:txBody>
+      </p:sp>
+    </p:spTree>
+    <p:extLst>
+      <p:ext uri="{BB962C8B-B14F-4D97-AF65-F5344CB8AC3E}">
+        <p14:creationId xmlns="" xmlns:p14="http://schemas.microsoft.com/office/powerpoint/2007/7/12/main" val="242698022"/>
+      </p:ext>
+    </p:extLst>
+  </p:cSld>
+  <p:clrMapOvr>
+    <a:masterClrMapping/>
+  </p:clrMapOvr>
+  <p:timing>
+    <p:tnLst>
+      <p:par>
+        <p:cTn id="1" dur="indefinite" restart="never" nodeType="tmRoot"/>
+      </p:par>
+    </p:tnLst>
+  </p:timing>
+</p:sld>
+</file>
+
+<file path=ppt/slides/slide5.xml><?xml version="1.0" encoding="utf-8"?>
+<p:sld xmlns:a="http://schemas.openxmlformats.org/drawingml/2006/main" xmlns:r="http://schemas.openxmlformats.org/officeDocument/2006/relationships" xmlns:p="http://schemas.openxmlformats.org/presentationml/2006/main">
+  <p:cSld>
+    <p:spTree>
+      <p:nvGrpSpPr>
+        <p:cNvPr id="1" name=""/>
+        <p:cNvGrpSpPr/>
+        <p:nvPr/>
+      </p:nvGrpSpPr>
+      <p:grpSpPr>
+        <a:xfrm>
+          <a:off x="0" y="0"/>
+          <a:ext cx="0" cy="0"/>
+          <a:chOff x="0" y="0"/>
+          <a:chExt cx="0" cy="0"/>
+        </a:xfrm>
+      </p:grpSpPr>
+      <p:sp>
+        <p:nvSpPr>
+          <p:cNvPr id="2" name="Title 1"/>
+          <p:cNvSpPr>
+            <a:spLocks noGrp="1"/>
+          </p:cNvSpPr>
+          <p:nvPr>
+            <p:ph type="title"/>
+          </p:nvPr>
+        </p:nvSpPr>
+        <p:spPr/>
+        <p:txBody>
+          <a:bodyPr/>
+          <a:lstStyle/>
+          <a:p>
+            <a:r>
+              <a:rPr lang="pt-PT" dirty="0" smtClean="0"/>
+              <a:t>Padrões</a:t>
+            </a:r>
+            <a:endParaRPr lang="pt-PT" dirty="0"/>
+          </a:p>
+        </p:txBody>
+      </p:sp>
+      <p:sp>
+        <p:nvSpPr>
+          <p:cNvPr id="4" name="Content Placeholder 3"/>
+          <p:cNvSpPr>
+            <a:spLocks noGrp="1"/>
+          </p:cNvSpPr>
+          <p:nvPr>
+            <p:ph idx="1"/>
+          </p:nvPr>
+        </p:nvSpPr>
+        <p:spPr/>
+        <p:txBody>
+          <a:bodyPr>
+            <a:noAutofit/>
+          </a:bodyPr>
+          <a:lstStyle/>
+          <a:p>
+            <a:r>
+              <a:rPr lang="pt-PT" sz="3200" dirty="0" smtClean="0"/>
+              <a:t>Descrição do problema</a:t>
+            </a:r>
+          </a:p>
+          <a:p>
+            <a:r>
+              <a:rPr lang="pt-PT" sz="3200" dirty="0" smtClean="0"/>
+              <a:t>Contexto</a:t>
+            </a:r>
+          </a:p>
+          <a:p>
+            <a:r>
+              <a:rPr lang="pt-PT" sz="3200" dirty="0" smtClean="0"/>
+              <a:t>Dominios</a:t>
+            </a:r>
+          </a:p>
+          <a:p>
+            <a:endParaRPr lang="pt-PT" sz="3200" dirty="0" smtClean="0"/>
+          </a:p>
+        </p:txBody>
+      </p:sp>
+    </p:spTree>
+    <p:extLst>
+      <p:ext uri="{BB962C8B-B14F-4D97-AF65-F5344CB8AC3E}">
+        <p14:creationId xmlns="" xmlns:p14="http://schemas.microsoft.com/office/powerpoint/2007/7/12/main" val="564663352"/>
+      </p:ext>
+    </p:extLst>
+  </p:cSld>
+  <p:clrMapOvr>
+    <a:masterClrMapping/>
+  </p:clrMapOvr>
+  <p:timing>
+    <p:tnLst>
+      <p:par>
+        <p:cTn id="1" dur="indefinite" restart="never" nodeType="tmRoot">
+          <p:childTnLst>
+            <p:seq concurrent="1" nextAc="seek">
+              <p:cTn id="2" dur="indefinite" nodeType="mainSeq">
+                <p:childTnLst>
+                  <p:par>
+                    <p:cTn id="3" fill="hold">
+                      <p:stCondLst>
+                        <p:cond delay="indefinite"/>
+                      </p:stCondLst>
+                      <p:childTnLst>
+                        <p:par>
+                          <p:cTn id="4" fill="hold">
+                            <p:stCondLst>
+                              <p:cond delay="0"/>
+                            </p:stCondLst>
+                            <p:childTnLst>
+                              <p:par>
+                                <p:cTn id="5" presetID="1" presetClass="entr" presetSubtype="0" fill="hold" grpId="0" nodeType="clickEffect">
+                                  <p:stCondLst>
+                                    <p:cond delay="0"/>
+                                  </p:stCondLst>
+                                  <p:childTnLst>
+                                    <p:set>
+                                      <p:cBhvr>
+                                        <p:cTn id="6" dur="1" fill="hold">
+                                          <p:stCondLst>
+                                            <p:cond delay="0"/>
+                                          </p:stCondLst>
+                                        </p:cTn>
+                                        <p:tgtEl>
+                                          <p:spTgt spid="4">
+                                            <p:txEl>
+                                              <p:pRg st="0" end="0"/>
+                                            </p:txEl>
+                                          </p:spTgt>
+                                        </p:tgtEl>
+                                        <p:attrNameLst>
+                                          <p:attrName>style.visibility</p:attrName>
+                                        </p:attrNameLst>
+                                      </p:cBhvr>
+                                      <p:to>
+                                        <p:strVal val="visible"/>
+                                      </p:to>
+                                    </p:set>
+                                  </p:childTnLst>
+                                </p:cTn>
+                              </p:par>
+                            </p:childTnLst>
+                          </p:cTn>
+                        </p:par>
+                      </p:childTnLst>
+                    </p:cTn>
+                  </p:par>
+                  <p:par>
+                    <p:cTn id="7" fill="hold">
+                      <p:stCondLst>
+                        <p:cond delay="indefinite"/>
+                      </p:stCondLst>
+                      <p:childTnLst>
+                        <p:par>
+                          <p:cTn id="8" fill="hold">
+                            <p:stCondLst>
+                              <p:cond delay="0"/>
+                            </p:stCondLst>
+                            <p:childTnLst>
+                              <p:par>
+                                <p:cTn id="9" presetID="1" presetClass="entr" presetSubtype="0" fill="hold" grpId="0" nodeType="clickEffect">
+                                  <p:stCondLst>
+                                    <p:cond delay="0"/>
+                                  </p:stCondLst>
+                                  <p:childTnLst>
+                                    <p:set>
+                                      <p:cBhvr>
+                                        <p:cTn id="10" dur="1" fill="hold">
+                                          <p:stCondLst>
+                                            <p:cond delay="0"/>
+                                          </p:stCondLst>
+                                        </p:cTn>
+                                        <p:tgtEl>
+                                          <p:spTgt spid="4">
+                                            <p:txEl>
+                                              <p:pRg st="1" end="1"/>
+                                            </p:txEl>
+                                          </p:spTgt>
+                                        </p:tgtEl>
+                                        <p:attrNameLst>
+                                          <p:attrName>style.visibility</p:attrName>
+                                        </p:attrNameLst>
+                                      </p:cBhvr>
+                                      <p:to>
+                                        <p:strVal val="visible"/>
+                                      </p:to>
+                                    </p:set>
+                                  </p:childTnLst>
+                                </p:cTn>
+                              </p:par>
+                            </p:childTnLst>
+                          </p:cTn>
+                        </p:par>
+                      </p:childTnLst>
+                    </p:cTn>
+                  </p:par>
+                  <p:par>
+                    <p:cTn id="11" fill="hold">
+                      <p:stCondLst>
+                        <p:cond delay="indefinite"/>
+                      </p:stCondLst>
+                      <p:childTnLst>
+                        <p:par>
+                          <p:cTn id="12" fill="hold">
+                            <p:stCondLst>
+                              <p:cond delay="0"/>
+                            </p:stCondLst>
+                            <p:childTnLst>
+                              <p:par>
+                                <p:cTn id="13" presetID="1" presetClass="entr" presetSubtype="0" fill="hold" grpId="0" nodeType="clickEffect">
+                                  <p:stCondLst>
+                                    <p:cond delay="0"/>
+                                  </p:stCondLst>
+                                  <p:childTnLst>
+                                    <p:set>
+                                      <p:cBhvr>
+                                        <p:cTn id="14" dur="1" fill="hold">
+                                          <p:stCondLst>
+                                            <p:cond delay="0"/>
+                                          </p:stCondLst>
+                                        </p:cTn>
+                                        <p:tgtEl>
+                                          <p:spTgt spid="4">
+                                            <p:txEl>
+                                              <p:pRg st="2" end="2"/>
+                                            </p:txEl>
+                                          </p:spTgt>
+                                        </p:tgtEl>
+                                        <p:attrNameLst>
+                                          <p:attrName>style.visibility</p:attrName>
+                                        </p:attrNameLst>
+                                      </p:cBhvr>
+                                      <p:to>
+                                        <p:strVal val="visible"/>
+                                      </p:to>
+                                    </p:set>
+                                  </p:childTnLst>
+                                </p:cTn>
+                              </p:par>
+                            </p:childTnLst>
+                          </p:cTn>
+                        </p:par>
+                      </p:childTnLst>
+                    </p:cTn>
+                  </p:par>
+                </p:childTnLst>
+              </p:cTn>
+              <p:prevCondLst>
+                <p:cond evt="onPrev" delay="0">
+                  <p:tgtEl>
+                    <p:sldTgt/>
+                  </p:tgtEl>
+                </p:cond>
+              </p:prevCondLst>
+              <p:nextCondLst>
+                <p:cond evt="onNext" delay="0">
+                  <p:tgtEl>
+                    <p:sldTgt/>
+                  </p:tgtEl>
+                </p:cond>
+              </p:nextCondLst>
+            </p:seq>
+          </p:childTnLst>
+        </p:cTn>
+      </p:par>
+    </p:tnLst>
+    <p:bldLst>
+      <p:bldP spid="4" grpId="0" build="p"/>
+    </p:bldLst>
+  </p:timing>
+</p:sld>
+</file>
+
+<file path=ppt/slides/slide6.xml><?xml version="1.0" encoding="utf-8"?>
+<p:sld xmlns:a="http://schemas.openxmlformats.org/drawingml/2006/main" xmlns:r="http://schemas.openxmlformats.org/officeDocument/2006/relationships" xmlns:p="http://schemas.openxmlformats.org/presentationml/2006/main">
+  <p:cSld>
+    <p:spTree>
+      <p:nvGrpSpPr>
+        <p:cNvPr id="1" name=""/>
+        <p:cNvGrpSpPr/>
+        <p:nvPr/>
+      </p:nvGrpSpPr>
+      <p:grpSpPr>
+        <a:xfrm>
+          <a:off x="0" y="0"/>
+          <a:ext cx="0" cy="0"/>
+          <a:chOff x="0" y="0"/>
+          <a:chExt cx="0" cy="0"/>
+        </a:xfrm>
+      </p:grpSpPr>
+      <p:sp>
+        <p:nvSpPr>
+          <p:cNvPr id="2" name="Title 1"/>
+          <p:cNvSpPr>
+            <a:spLocks noGrp="1"/>
+          </p:cNvSpPr>
+          <p:nvPr>
+            <p:ph type="title"/>
+          </p:nvPr>
+        </p:nvSpPr>
+        <p:spPr/>
+        <p:txBody>
+          <a:bodyPr/>
+          <a:lstStyle/>
+          <a:p>
+            <a:r>
+              <a:rPr lang="pt-PT" dirty="0" smtClean="0"/>
+              <a:t>Templates</a:t>
+            </a:r>
+            <a:endParaRPr lang="pt-PT" dirty="0"/>
+          </a:p>
+        </p:txBody>
+      </p:sp>
+      <p:sp>
+        <p:nvSpPr>
+          <p:cNvPr id="4" name="Content Placeholder 3"/>
+          <p:cNvSpPr>
+            <a:spLocks noGrp="1"/>
+          </p:cNvSpPr>
+          <p:nvPr>
+            <p:ph idx="1"/>
+          </p:nvPr>
+        </p:nvSpPr>
+        <p:spPr/>
+        <p:txBody>
+          <a:bodyPr>
+            <a:noAutofit/>
+          </a:bodyPr>
+          <a:lstStyle/>
+          <a:p>
+            <a:r>
+              <a:rPr lang="pt-PT" sz="3200" dirty="0" smtClean="0"/>
+              <a:t>Onde se usam</a:t>
+            </a:r>
+          </a:p>
+          <a:p>
+            <a:r>
+              <a:rPr lang="pt-PT" sz="3200" dirty="0" smtClean="0"/>
+              <a:t>Para que servem</a:t>
+            </a:r>
+          </a:p>
+          <a:p>
+            <a:r>
+              <a:rPr lang="pt-PT" sz="3200" dirty="0" smtClean="0"/>
+              <a:t>Padrões de desenho associado</a:t>
+            </a:r>
+            <a:endParaRPr lang="pt-PT" sz="3200" dirty="0" smtClean="0"/>
+          </a:p>
+        </p:txBody>
+      </p:sp>
+    </p:spTree>
+    <p:extLst>
+      <p:ext uri="{BB962C8B-B14F-4D97-AF65-F5344CB8AC3E}">
+        <p14:creationId xmlns="" xmlns:p14="http://schemas.microsoft.com/office/powerpoint/2007/7/12/main" val="564663352"/>
+      </p:ext>
+    </p:extLst>
+  </p:cSld>
+  <p:clrMapOvr>
+    <a:masterClrMapping/>
+  </p:clrMapOvr>
+  <p:timing>
+    <p:tnLst>
+      <p:par>
+        <p:cTn id="1" dur="indefinite" restart="never" nodeType="tmRoot">
+          <p:childTnLst>
+            <p:seq concurrent="1" nextAc="seek">
+              <p:cTn id="2" dur="indefinite" nodeType="mainSeq">
+                <p:childTnLst>
+                  <p:par>
+                    <p:cTn id="3" fill="hold">
+                      <p:stCondLst>
+                        <p:cond delay="indefinite"/>
+                      </p:stCondLst>
+                      <p:childTnLst>
+                        <p:par>
+                          <p:cTn id="4" fill="hold">
+                            <p:stCondLst>
+                              <p:cond delay="0"/>
+                            </p:stCondLst>
+                            <p:childTnLst>
+                              <p:par>
+                                <p:cTn id="5" presetID="1" presetClass="entr" presetSubtype="0" fill="hold" grpId="0" nodeType="clickEffect">
+                                  <p:stCondLst>
+                                    <p:cond delay="0"/>
+                                  </p:stCondLst>
+                                  <p:childTnLst>
+                                    <p:set>
+                                      <p:cBhvr>
+                                        <p:cTn id="6" dur="1" fill="hold">
+                                          <p:stCondLst>
+                                            <p:cond delay="0"/>
+                                          </p:stCondLst>
+                                        </p:cTn>
+                                        <p:tgtEl>
+                                          <p:spTgt spid="4">
+                                            <p:txEl>
+                                              <p:pRg st="0" end="0"/>
+                                            </p:txEl>
+                                          </p:spTgt>
+                                        </p:tgtEl>
+                                        <p:attrNameLst>
+                                          <p:attrName>style.visibility</p:attrName>
+                                        </p:attrNameLst>
+                                      </p:cBhvr>
+                                      <p:to>
+                                        <p:strVal val="visible"/>
+                                      </p:to>
+                                    </p:set>
+                                  </p:childTnLst>
+                                </p:cTn>
+                              </p:par>
+                            </p:childTnLst>
+                          </p:cTn>
+                        </p:par>
+                      </p:childTnLst>
+                    </p:cTn>
+                  </p:par>
+                  <p:par>
+                    <p:cTn id="7" fill="hold">
+                      <p:stCondLst>
+                        <p:cond delay="indefinite"/>
+                      </p:stCondLst>
+                      <p:childTnLst>
+                        <p:par>
+                          <p:cTn id="8" fill="hold">
+                            <p:stCondLst>
+                              <p:cond delay="0"/>
+                            </p:stCondLst>
+                            <p:childTnLst>
+                              <p:par>
+                                <p:cTn id="9" presetID="1" presetClass="entr" presetSubtype="0" fill="hold" grpId="0" nodeType="clickEffect">
+                                  <p:stCondLst>
+                                    <p:cond delay="0"/>
+                                  </p:stCondLst>
+                                  <p:childTnLst>
+                                    <p:set>
+                                      <p:cBhvr>
+                                        <p:cTn id="10" dur="1" fill="hold">
+                                          <p:stCondLst>
+                                            <p:cond delay="0"/>
+                                          </p:stCondLst>
+                                        </p:cTn>
+                                        <p:tgtEl>
+                                          <p:spTgt spid="4">
+                                            <p:txEl>
+                                              <p:pRg st="1" end="1"/>
+                                            </p:txEl>
+                                          </p:spTgt>
+                                        </p:tgtEl>
+                                        <p:attrNameLst>
+                                          <p:attrName>style.visibility</p:attrName>
+                                        </p:attrNameLst>
+                                      </p:cBhvr>
+                                      <p:to>
+                                        <p:strVal val="visible"/>
+                                      </p:to>
+                                    </p:set>
+                                  </p:childTnLst>
+                                </p:cTn>
+                              </p:par>
+                            </p:childTnLst>
+                          </p:cTn>
+                        </p:par>
+                      </p:childTnLst>
+                    </p:cTn>
+                  </p:par>
+                  <p:par>
+                    <p:cTn id="11" fill="hold">
+                      <p:stCondLst>
+                        <p:cond delay="indefinite"/>
+                      </p:stCondLst>
+                      <p:childTnLst>
+                        <p:par>
+                          <p:cTn id="12" fill="hold">
+                            <p:stCondLst>
+                              <p:cond delay="0"/>
+                            </p:stCondLst>
+                            <p:childTnLst>
+                              <p:par>
+                                <p:cTn id="13" presetID="1" presetClass="entr" presetSubtype="0" fill="hold" grpId="0" nodeType="clickEffect">
+                                  <p:stCondLst>
+                                    <p:cond delay="0"/>
+                                  </p:stCondLst>
+                                  <p:childTnLst>
+                                    <p:set>
+                                      <p:cBhvr>
+                                        <p:cTn id="14" dur="1" fill="hold">
+                                          <p:stCondLst>
+                                            <p:cond delay="0"/>
+                                          </p:stCondLst>
+                                        </p:cTn>
+                                        <p:tgtEl>
+                                          <p:spTgt spid="4">
+                                            <p:txEl>
+                                              <p:pRg st="2" end="2"/>
+                                            </p:txEl>
+                                          </p:spTgt>
+                                        </p:tgtEl>
+                                        <p:attrNameLst>
+                                          <p:attrName>style.visibility</p:attrName>
+                                        </p:attrNameLst>
+                                      </p:cBhvr>
+                                      <p:to>
+                                        <p:strVal val="visible"/>
+                                      </p:to>
+                                    </p:set>
+                                  </p:childTnLst>
+                                </p:cTn>
+                              </p:par>
+                            </p:childTnLst>
+                          </p:cTn>
+                        </p:par>
+                      </p:childTnLst>
+                    </p:cTn>
+                  </p:par>
+                </p:childTnLst>
+              </p:cTn>
+              <p:prevCondLst>
+                <p:cond evt="onPrev" delay="0">
+                  <p:tgtEl>
+                    <p:sldTgt/>
+                  </p:tgtEl>
+                </p:cond>
+              </p:prevCondLst>
+              <p:nextCondLst>
+                <p:cond evt="onNext" delay="0">
+                  <p:tgtEl>
+                    <p:sldTgt/>
+                  </p:tgtEl>
+                </p:cond>
+              </p:nextCondLst>
+            </p:seq>
+          </p:childTnLst>
+        </p:cTn>
+      </p:par>
+    </p:tnLst>
+    <p:bldLst>
+      <p:bldP spid="4" grpId="0" build="p"/>
+    </p:bldLst>
+  </p:timing>
+</p:sld>
+</file>
+
+<file path=ppt/slides/slide7.xml><?xml version="1.0" encoding="utf-8"?>
+<p:sld xmlns:a="http://schemas.openxmlformats.org/drawingml/2006/main" xmlns:r="http://schemas.openxmlformats.org/officeDocument/2006/relationships" xmlns:p="http://schemas.openxmlformats.org/presentationml/2006/main">
+  <p:cSld>
+    <p:spTree>
+      <p:nvGrpSpPr>
+        <p:cNvPr id="1" name=""/>
+        <p:cNvGrpSpPr/>
+        <p:nvPr/>
+      </p:nvGrpSpPr>
+      <p:grpSpPr>
+        <a:xfrm>
+          <a:off x="0" y="0"/>
+          <a:ext cx="0" cy="0"/>
+          <a:chOff x="0" y="0"/>
+          <a:chExt cx="0" cy="0"/>
+        </a:xfrm>
+      </p:grpSpPr>
+      <p:sp>
+        <p:nvSpPr>
+          <p:cNvPr id="2" name="Title 1"/>
+          <p:cNvSpPr>
+            <a:spLocks noGrp="1"/>
+          </p:cNvSpPr>
+          <p:nvPr>
+            <p:ph type="title"/>
+          </p:nvPr>
+        </p:nvSpPr>
+        <p:spPr/>
+        <p:txBody>
+          <a:bodyPr/>
+          <a:lstStyle/>
+          <a:p>
+            <a:r>
+              <a:rPr lang="pt-PT" dirty="0" smtClean="0"/>
+              <a:t>Template Engine</a:t>
+            </a:r>
+            <a:endParaRPr lang="pt-PT" dirty="0"/>
+          </a:p>
+        </p:txBody>
+      </p:sp>
+      <p:sp>
+        <p:nvSpPr>
+          <p:cNvPr id="4" name="Content Placeholder 3"/>
+          <p:cNvSpPr>
+            <a:spLocks noGrp="1"/>
+          </p:cNvSpPr>
+          <p:nvPr>
+            <p:ph idx="1"/>
+          </p:nvPr>
+        </p:nvSpPr>
+        <p:spPr/>
+        <p:txBody>
+          <a:bodyPr>
+            <a:noAutofit/>
+          </a:bodyPr>
+          <a:lstStyle/>
+          <a:p>
+            <a:r>
+              <a:rPr lang="pt-PT" sz="3200" dirty="0" smtClean="0"/>
+              <a:t>Nvelocity</a:t>
+            </a:r>
+          </a:p>
+          <a:p>
+            <a:r>
+              <a:rPr lang="pt-PT" sz="3200" dirty="0" smtClean="0"/>
+              <a:t>Onde se usa</a:t>
+            </a:r>
+          </a:p>
+          <a:p>
+            <a:r>
+              <a:rPr lang="pt-PT" sz="3200" dirty="0" smtClean="0"/>
+              <a:t>Casos de Uso</a:t>
+            </a:r>
+          </a:p>
+          <a:p>
+            <a:endParaRPr lang="pt-PT" sz="3200" dirty="0" smtClean="0"/>
+          </a:p>
+        </p:txBody>
+      </p:sp>
+    </p:spTree>
+    <p:extLst>
+      <p:ext uri="{BB962C8B-B14F-4D97-AF65-F5344CB8AC3E}">
+        <p14:creationId xmlns="" xmlns:p14="http://schemas.microsoft.com/office/powerpoint/2007/7/12/main" val="564663352"/>
+      </p:ext>
+    </p:extLst>
+  </p:cSld>
+  <p:clrMapOvr>
+    <a:masterClrMapping/>
+  </p:clrMapOvr>
+  <p:timing>
+    <p:tnLst>
+      <p:par>
+        <p:cTn id="1" dur="indefinite" restart="never" nodeType="tmRoot">
+          <p:childTnLst>
+            <p:seq concurrent="1" nextAc="seek">
+              <p:cTn id="2" dur="indefinite" nodeType="mainSeq">
+                <p:childTnLst>
+                  <p:par>
+                    <p:cTn id="3" fill="hold">
+                      <p:stCondLst>
+                        <p:cond delay="indefinite"/>
+                      </p:stCondLst>
+                      <p:childTnLst>
+                        <p:par>
+                          <p:cTn id="4" fill="hold">
+                            <p:stCondLst>
+                              <p:cond delay="0"/>
+                            </p:stCondLst>
+                            <p:childTnLst>
+                              <p:par>
+                                <p:cTn id="5" presetID="1" presetClass="entr" presetSubtype="0" fill="hold" grpId="0" nodeType="clickEffect">
+                                  <p:stCondLst>
+                                    <p:cond delay="0"/>
+                                  </p:stCondLst>
+                                  <p:childTnLst>
+                                    <p:set>
+                                      <p:cBhvr>
+                                        <p:cTn id="6" dur="1" fill="hold">
+                                          <p:stCondLst>
+                                            <p:cond delay="0"/>
+                                          </p:stCondLst>
+                                        </p:cTn>
+                                        <p:tgtEl>
+                                          <p:spTgt spid="4">
+                                            <p:txEl>
+                                              <p:pRg st="0" end="0"/>
+                                            </p:txEl>
+                                          </p:spTgt>
+                                        </p:tgtEl>
+                                        <p:attrNameLst>
+                                          <p:attrName>style.visibility</p:attrName>
+                                        </p:attrNameLst>
+                                      </p:cBhvr>
+                                      <p:to>
+                                        <p:strVal val="visible"/>
+                                      </p:to>
+                                    </p:set>
+                                  </p:childTnLst>
+                                </p:cTn>
+                              </p:par>
+                            </p:childTnLst>
+                          </p:cTn>
+                        </p:par>
+                      </p:childTnLst>
+                    </p:cTn>
+                  </p:par>
+                  <p:par>
+                    <p:cTn id="7" fill="hold">
+                      <p:stCondLst>
+                        <p:cond delay="indefinite"/>
+                      </p:stCondLst>
+                      <p:childTnLst>
+                        <p:par>
+                          <p:cTn id="8" fill="hold">
+                            <p:stCondLst>
+                              <p:cond delay="0"/>
+                            </p:stCondLst>
+                            <p:childTnLst>
+                              <p:par>
+                                <p:cTn id="9" presetID="1" presetClass="entr" presetSubtype="0" fill="hold" grpId="0" nodeType="clickEffect">
+                                  <p:stCondLst>
+                                    <p:cond delay="0"/>
+                                  </p:stCondLst>
+                                  <p:childTnLst>
+                                    <p:set>
+                                      <p:cBhvr>
+                                        <p:cTn id="10" dur="1" fill="hold">
+                                          <p:stCondLst>
+                                            <p:cond delay="0"/>
+                                          </p:stCondLst>
+                                        </p:cTn>
+                                        <p:tgtEl>
+                                          <p:spTgt spid="4">
+                                            <p:txEl>
+                                              <p:pRg st="1" end="1"/>
+                                            </p:txEl>
+                                          </p:spTgt>
+                                        </p:tgtEl>
+                                        <p:attrNameLst>
+                                          <p:attrName>style.visibility</p:attrName>
+                                        </p:attrNameLst>
+                                      </p:cBhvr>
+                                      <p:to>
+                                        <p:strVal val="visible"/>
+                                      </p:to>
+                                    </p:set>
+                                  </p:childTnLst>
+                                </p:cTn>
+                              </p:par>
+                            </p:childTnLst>
+                          </p:cTn>
+                        </p:par>
+                      </p:childTnLst>
+                    </p:cTn>
+                  </p:par>
+                  <p:par>
+                    <p:cTn id="11" fill="hold">
+                      <p:stCondLst>
+                        <p:cond delay="indefinite"/>
+                      </p:stCondLst>
+                      <p:childTnLst>
+                        <p:par>
+                          <p:cTn id="12" fill="hold">
+                            <p:stCondLst>
+                              <p:cond delay="0"/>
+                            </p:stCondLst>
+                            <p:childTnLst>
+                              <p:par>
+                                <p:cTn id="13" presetID="1" presetClass="entr" presetSubtype="0" fill="hold" grpId="0" nodeType="clickEffect">
+                                  <p:stCondLst>
+                                    <p:cond delay="0"/>
+                                  </p:stCondLst>
+                                  <p:childTnLst>
+                                    <p:set>
+                                      <p:cBhvr>
+                                        <p:cTn id="14" dur="1" fill="hold">
+                                          <p:stCondLst>
+                                            <p:cond delay="0"/>
+                                          </p:stCondLst>
+                                        </p:cTn>
+                                        <p:tgtEl>
+                                          <p:spTgt spid="4">
+                                            <p:txEl>
+                                              <p:pRg st="2" end="2"/>
+                                            </p:txEl>
+                                          </p:spTgt>
+                                        </p:tgtEl>
+                                        <p:attrNameLst>
+                                          <p:attrName>style.visibility</p:attrName>
+                                        </p:attrNameLst>
+                                      </p:cBhvr>
+                                      <p:to>
+                                        <p:strVal val="visible"/>
+                                      </p:to>
+                                    </p:set>
+                                  </p:childTnLst>
+                                </p:cTn>
+                              </p:par>
+                            </p:childTnLst>
+                          </p:cTn>
+                        </p:par>
+                      </p:childTnLst>
+                    </p:cTn>
+                  </p:par>
+                </p:childTnLst>
+              </p:cTn>
+              <p:prevCondLst>
+                <p:cond evt="onPrev" delay="0">
+                  <p:tgtEl>
+                    <p:sldTgt/>
+                  </p:tgtEl>
+                </p:cond>
+              </p:prevCondLst>
+              <p:nextCondLst>
+                <p:cond evt="onNext" delay="0">
+                  <p:tgtEl>
+                    <p:sldTgt/>
+                  </p:tgtEl>
+                </p:cond>
+              </p:nextCondLst>
+            </p:seq>
+          </p:childTnLst>
+        </p:cTn>
+      </p:par>
+    </p:tnLst>
+    <p:bldLst>
+      <p:bldP spid="4" grpId="0" build="p"/>
+    </p:bldLst>
+  </p:timing>
+</p:sld>
+</file>
+
+<file path=ppt/slides/slide8.xml><?xml version="1.0" encoding="utf-8"?>
+<p:sld xmlns:a="http://schemas.openxmlformats.org/drawingml/2006/main" xmlns:r="http://schemas.openxmlformats.org/officeDocument/2006/relationships" xmlns:p="http://schemas.openxmlformats.org/presentationml/2006/main">
+  <p:cSld>
+    <p:spTree>
+      <p:nvGrpSpPr>
+        <p:cNvPr id="1" name=""/>
+        <p:cNvGrpSpPr/>
+        <p:nvPr/>
+      </p:nvGrpSpPr>
+      <p:grpSpPr>
+        <a:xfrm>
+          <a:off x="0" y="0"/>
+          <a:ext cx="0" cy="0"/>
+          <a:chOff x="0" y="0"/>
+          <a:chExt cx="0" cy="0"/>
+        </a:xfrm>
+      </p:grpSpPr>
+      <p:sp>
+        <p:nvSpPr>
+          <p:cNvPr id="2" name="Title 1"/>
+          <p:cNvSpPr>
+            <a:spLocks noGrp="1"/>
+          </p:cNvSpPr>
+          <p:nvPr>
+            <p:ph type="title"/>
+          </p:nvPr>
+        </p:nvSpPr>
+        <p:spPr/>
+        <p:txBody>
+          <a:bodyPr/>
+          <a:lstStyle/>
+          <a:p>
+            <a:r>
+              <a:rPr lang="pt-PT" dirty="0" smtClean="0"/>
+              <a:t>NVelocity</a:t>
+            </a:r>
+            <a:endParaRPr lang="pt-PT" dirty="0"/>
+          </a:p>
+        </p:txBody>
+      </p:sp>
+      <p:sp>
+        <p:nvSpPr>
+          <p:cNvPr id="4" name="Content Placeholder 3"/>
+          <p:cNvSpPr>
+            <a:spLocks noGrp="1"/>
+          </p:cNvSpPr>
+          <p:nvPr>
+            <p:ph idx="1"/>
+          </p:nvPr>
+        </p:nvSpPr>
+        <p:spPr/>
+        <p:txBody>
+          <a:bodyPr>
+            <a:noAutofit/>
+          </a:bodyPr>
+          <a:lstStyle/>
+          <a:p>
+            <a:r>
+              <a:rPr lang="pt-PT" sz="3200" dirty="0" smtClean="0"/>
+              <a:t>Historia</a:t>
+            </a:r>
+          </a:p>
+          <a:p>
+            <a:r>
+              <a:rPr lang="pt-PT" sz="3200" dirty="0" smtClean="0"/>
+              <a:t>Pros and Cons</a:t>
+            </a:r>
+          </a:p>
+          <a:p>
+            <a:r>
+              <a:rPr lang="pt-PT" sz="3200" dirty="0" smtClean="0"/>
+              <a:t>Instalação</a:t>
+            </a:r>
+          </a:p>
+          <a:p>
+            <a:r>
+              <a:rPr lang="pt-PT" sz="3200" dirty="0" smtClean="0"/>
+              <a:t>Linguagem VTL</a:t>
+            </a:r>
+          </a:p>
+          <a:p>
+            <a:endParaRPr lang="pt-PT" sz="3200" dirty="0" smtClean="0"/>
+          </a:p>
+          <a:p>
+            <a:endParaRPr lang="pt-PT" sz="3200" dirty="0" smtClean="0"/>
+          </a:p>
+        </p:txBody>
+      </p:sp>
+    </p:spTree>
+    <p:extLst>
+      <p:ext uri="{BB962C8B-B14F-4D97-AF65-F5344CB8AC3E}">
+        <p14:creationId xmlns="" xmlns:p14="http://schemas.microsoft.com/office/powerpoint/2007/7/12/main" val="564663352"/>
+      </p:ext>
+    </p:extLst>
+  </p:cSld>
+  <p:clrMapOvr>
+    <a:masterClrMapping/>
+  </p:clrMapOvr>
+  <p:timing>
+    <p:tnLst>
+      <p:par>
+        <p:cTn id="1" dur="indefinite" restart="never" nodeType="tmRoot">
+          <p:childTnLst>
+            <p:seq concurrent="1" nextAc="seek">
+              <p:cTn id="2" dur="indefinite" nodeType="mainSeq">
+                <p:childTnLst>
+                  <p:par>
+                    <p:cTn id="3" fill="hold">
+                      <p:stCondLst>
+                        <p:cond delay="indefinite"/>
+                      </p:stCondLst>
+                      <p:childTnLst>
+                        <p:par>
+                          <p:cTn id="4" fill="hold">
+                            <p:stCondLst>
+                              <p:cond delay="0"/>
+                            </p:stCondLst>
+                            <p:childTnLst>
+                              <p:par>
+                                <p:cTn id="5" presetID="1" presetClass="entr" presetSubtype="0" fill="hold" grpId="0" nodeType="clickEffect">
+                                  <p:stCondLst>
+                                    <p:cond delay="0"/>
+                                  </p:stCondLst>
+                                  <p:childTnLst>
+                                    <p:set>
+                                      <p:cBhvr>
+                                        <p:cTn id="6" dur="1" fill="hold">
+                                          <p:stCondLst>
+                                            <p:cond delay="0"/>
+                                          </p:stCondLst>
+                                        </p:cTn>
+                                        <p:tgtEl>
+                                          <p:spTgt spid="4">
+                                            <p:txEl>
+                                              <p:pRg st="0" end="0"/>
+                                            </p:txEl>
+                                          </p:spTgt>
+                                        </p:tgtEl>
+                                        <p:attrNameLst>
+                                          <p:attrName>style.visibility</p:attrName>
+                                        </p:attrNameLst>
+                                      </p:cBhvr>
+                                      <p:to>
+                                        <p:strVal val="visible"/>
+                                      </p:to>
+                                    </p:set>
+                                  </p:childTnLst>
+                                </p:cTn>
+                              </p:par>
+                            </p:childTnLst>
+                          </p:cTn>
+                        </p:par>
+                      </p:childTnLst>
+                    </p:cTn>
+                  </p:par>
+                  <p:par>
+                    <p:cTn id="7" fill="hold">
+                      <p:stCondLst>
+                        <p:cond delay="indefinite"/>
+                      </p:stCondLst>
+                      <p:childTnLst>
+                        <p:par>
+                          <p:cTn id="8" fill="hold">
+                            <p:stCondLst>
+                              <p:cond delay="0"/>
+                            </p:stCondLst>
+                            <p:childTnLst>
+                              <p:par>
+                                <p:cTn id="9" presetID="1" presetClass="entr" presetSubtype="0" fill="hold" grpId="0" nodeType="clickEffect">
+                                  <p:stCondLst>
+                                    <p:cond delay="0"/>
+                                  </p:stCondLst>
+                                  <p:childTnLst>
+                                    <p:set>
+                                      <p:cBhvr>
+                                        <p:cTn id="10" dur="1" fill="hold">
+                                          <p:stCondLst>
+                                            <p:cond delay="0"/>
+                                          </p:stCondLst>
+                                        </p:cTn>
+                                        <p:tgtEl>
+                                          <p:spTgt spid="4">
+                                            <p:txEl>
+                                              <p:pRg st="1" end="1"/>
+                                            </p:txEl>
+                                          </p:spTgt>
+                                        </p:tgtEl>
+                                        <p:attrNameLst>
+                                          <p:attrName>style.visibility</p:attrName>
+                                        </p:attrNameLst>
+                                      </p:cBhvr>
+                                      <p:to>
+                                        <p:strVal val="visible"/>
+                                      </p:to>
+                                    </p:set>
+                                  </p:childTnLst>
+                                </p:cTn>
+                              </p:par>
+                            </p:childTnLst>
+                          </p:cTn>
+                        </p:par>
+                      </p:childTnLst>
+                    </p:cTn>
+                  </p:par>
+                  <p:par>
+                    <p:cTn id="11" fill="hold">
+                      <p:stCondLst>
+                        <p:cond delay="indefinite"/>
+                      </p:stCondLst>
+                      <p:childTnLst>
+                        <p:par>
+                          <p:cTn id="12" fill="hold">
+                            <p:stCondLst>
+                              <p:cond delay="0"/>
+                            </p:stCondLst>
+                            <p:childTnLst>
+                              <p:par>
+                                <p:cTn id="13" presetID="1" presetClass="entr" presetSubtype="0" fill="hold" grpId="0" nodeType="clickEffect">
+                                  <p:stCondLst>
+                                    <p:cond delay="0"/>
+                                  </p:stCondLst>
+                                  <p:childTnLst>
+                                    <p:set>
+                                      <p:cBhvr>
+                                        <p:cTn id="14" dur="1" fill="hold">
+                                          <p:stCondLst>
+                                            <p:cond delay="0"/>
+                                          </p:stCondLst>
+                                        </p:cTn>
+                                        <p:tgtEl>
+                                          <p:spTgt spid="4">
+                                            <p:txEl>
+                                              <p:pRg st="2" end="2"/>
+                                            </p:txEl>
+                                          </p:spTgt>
+                                        </p:tgtEl>
+                                        <p:attrNameLst>
+                                          <p:attrName>style.visibility</p:attrName>
+                                        </p:attrNameLst>
+                                      </p:cBhvr>
+                                      <p:to>
+                                        <p:strVal val="visible"/>
+                                      </p:to>
+                                    </p:set>
+                                  </p:childTnLst>
+                                </p:cTn>
+                              </p:par>
+                            </p:childTnLst>
+                          </p:cTn>
+                        </p:par>
+                      </p:childTnLst>
+                    </p:cTn>
+                  </p:par>
+                  <p:par>
+                    <p:cTn id="15" fill="hold">
+                      <p:stCondLst>
+                        <p:cond delay="indefinite"/>
+                      </p:stCondLst>
+                      <p:childTnLst>
+                        <p:par>
+                          <p:cTn id="16" fill="hold">
+                            <p:stCondLst>
+                              <p:cond delay="0"/>
+                            </p:stCondLst>
+                            <p:childTnLst>
+                              <p:par>
+                                <p:cTn id="17" presetID="1" presetClass="entr" presetSubtype="0" fill="hold" grpId="0" nodeType="clickEffect">
+                                  <p:stCondLst>
+                                    <p:cond delay="0"/>
+                                  </p:stCondLst>
+                                  <p:childTnLst>
+                                    <p:set>
+                                      <p:cBhvr>
+                                        <p:cTn id="18" dur="1" fill="hold">
+                                          <p:stCondLst>
+                                            <p:cond delay="0"/>
+                                          </p:stCondLst>
+                                        </p:cTn>
+                                        <p:tgtEl>
+                                          <p:spTgt spid="4">
+                                            <p:txEl>
+                                              <p:pRg st="3" end="3"/>
+                                            </p:txEl>
+                                          </p:spTgt>
+                                        </p:tgtEl>
+                                        <p:attrNameLst>
+                                          <p:attrName>style.visibility</p:attrName>
+                                        </p:attrNameLst>
+                                      </p:cBhvr>
+                                      <p:to>
+                                        <p:strVal val="visible"/>
+                                      </p:to>
+                                    </p:set>
+                                  </p:childTnLst>
+                                </p:cTn>
+                              </p:par>
+                            </p:childTnLst>
+                          </p:cTn>
+                        </p:par>
+                      </p:childTnLst>
+                    </p:cTn>
+                  </p:par>
+                </p:childTnLst>
+              </p:cTn>
+              <p:prevCondLst>
+                <p:cond evt="onPrev" delay="0">
+                  <p:tgtEl>
+                    <p:sldTgt/>
+                  </p:tgtEl>
+                </p:cond>
+              </p:prevCondLst>
+              <p:nextCondLst>
+                <p:cond evt="onNext" delay="0">
+                  <p:tgtEl>
+                    <p:sldTgt/>
+                  </p:tgtEl>
+                </p:cond>
+              </p:nextCondLst>
+            </p:seq>
+          </p:childTnLst>
+        </p:cTn>
+      </p:par>
+    </p:tnLst>
+    <p:bldLst>
+      <p:bldP spid="4" grpId="0" build="p"/>
+    </p:bldLst>
+  </p:timing>
+</p:sld>
+</file>
+
+<file path=ppt/slides/slide9.xml><?xml version="1.0" encoding="utf-8"?>
+<p:sld xmlns:a="http://schemas.openxmlformats.org/drawingml/2006/main" xmlns:r="http://schemas.openxmlformats.org/officeDocument/2006/relationships" xmlns:p="http://schemas.openxmlformats.org/presentationml/2006/main">
+  <p:cSld>
+    <p:spTree>
+      <p:nvGrpSpPr>
+        <p:cNvPr id="1" name=""/>
+        <p:cNvGrpSpPr/>
+        <p:nvPr/>
+      </p:nvGrpSpPr>
+      <p:grpSpPr>
+        <a:xfrm>
+          <a:off x="0" y="0"/>
+          <a:ext cx="0" cy="0"/>
+          <a:chOff x="0" y="0"/>
+          <a:chExt cx="0" cy="0"/>
+        </a:xfrm>
+      </p:grpSpPr>
+      <p:sp>
+        <p:nvSpPr>
+          <p:cNvPr id="2" name="Title 1"/>
+          <p:cNvSpPr>
+            <a:spLocks noGrp="1"/>
+          </p:cNvSpPr>
+          <p:nvPr>
+            <p:ph type="ctrTitle"/>
+          </p:nvPr>
+        </p:nvSpPr>
+        <p:spPr>
+          <a:xfrm>
+            <a:off x="2809860" y="4038600"/>
+            <a:ext cx="6292359" cy="1319226"/>
+          </a:xfrm>
+        </p:spPr>
+        <p:txBody>
+          <a:bodyPr/>
+          <a:lstStyle/>
+          <a:p>
+            <a:r>
+              <a:rPr lang="en-US" smtClean="0">
+                <a:solidFill>
+                  <a:schemeClr val="bg1">
+                    <a:lumMod val="50000"/>
+                  </a:schemeClr>
+                </a:solidFill>
+              </a:rPr>
+              <a:t>“Hello World”</a:t>
+            </a:r>
+            <a:endParaRPr lang="en-US" dirty="0">
+              <a:solidFill>
+                <a:schemeClr val="bg1">
+                  <a:lumMod val="50000"/>
+                </a:schemeClr>
+              </a:solidFill>
+            </a:endParaRPr>
+          </a:p>
+        </p:txBody>
+      </p:sp>
+      <p:sp>
+        <p:nvSpPr>
+          <p:cNvPr id="4" name="Text Placeholder 3"/>
+          <p:cNvSpPr>
+            <a:spLocks noGrp="1"/>
+          </p:cNvSpPr>
+          <p:nvPr>
+            <p:ph type="body" sz="quarter" idx="10"/>
+          </p:nvPr>
+        </p:nvSpPr>
+        <p:spPr/>
+        <p:txBody>
+          <a:bodyPr/>
+          <a:lstStyle/>
+          <a:p>
+            <a:r>
+              <a:rPr lang="en-US" dirty="0" err="1" smtClean="0"/>
+              <a:t>demonstração</a:t>
+            </a:r>
+            <a:r>
+              <a:rPr lang="en-US" dirty="0" smtClean="0"/>
+              <a:t> </a:t>
+            </a:r>
+            <a:endParaRPr lang="en-US" dirty="0"/>
+          </a:p>
+        </p:txBody>
+      </p:sp>
+    </p:spTree>
+    <p:extLst>
+      <p:ext uri="{BB962C8B-B14F-4D97-AF65-F5344CB8AC3E}">
+        <p14:creationId xmlns="" xmlns:p14="http://schemas.microsoft.com/office/powerpoint/2007/7/12/main" val="967988230"/>
+      </p:ext>
+    </p:extLst>
+  </p:cSld>
+  <p:clrMapOvr>
+    <a:masterClrMapping/>
+  </p:clrMapOvr>
+  <mc:AlternateContent xmlns:mc="http://schemas.openxmlformats.org/markup-compatibility/2006">
+    <mc:Choice xmlns="" xmlns:p14="http://schemas.microsoft.com/office/powerpoint/2007/7/12/main" Requires="p14">
+      <p:transition p14:dur="0"/>
+    </mc:Choice>
+    <mc:Fallback>
+      <p:transition/>
+    </mc:Fallback>
+  </mc:AlternateContent>
   <p:timing>
     <p:tnLst>
       <p:par>
